--- a/slideshow/Teologia Sistematica y Biblica - Myer Pearlman/Clases/1. Introduccion.pptx
+++ b/slideshow/Teologia Sistematica y Biblica - Myer Pearlman/Clases/1. Introduccion.pptx
@@ -5,32 +5,30 @@
     <p:sldMasterId id="2147483684" r:id="rId1"/>
   </p:sldMasterIdLst>
   <p:notesMasterIdLst>
-    <p:notesMasterId r:id="rId20"/>
+    <p:notesMasterId r:id="rId18"/>
   </p:notesMasterIdLst>
   <p:handoutMasterIdLst>
-    <p:handoutMasterId r:id="rId21"/>
+    <p:handoutMasterId r:id="rId19"/>
   </p:handoutMasterIdLst>
   <p:sldIdLst>
     <p:sldId id="256" r:id="rId2"/>
     <p:sldId id="260" r:id="rId3"/>
-    <p:sldId id="261" r:id="rId4"/>
-    <p:sldId id="262" r:id="rId5"/>
-    <p:sldId id="263" r:id="rId6"/>
-    <p:sldId id="264" r:id="rId7"/>
-    <p:sldId id="265" r:id="rId8"/>
-    <p:sldId id="266" r:id="rId9"/>
-    <p:sldId id="267" r:id="rId10"/>
-    <p:sldId id="268" r:id="rId11"/>
-    <p:sldId id="269" r:id="rId12"/>
-    <p:sldId id="270" r:id="rId13"/>
-    <p:sldId id="271" r:id="rId14"/>
-    <p:sldId id="272" r:id="rId15"/>
-    <p:sldId id="273" r:id="rId16"/>
-    <p:sldId id="274" r:id="rId17"/>
-    <p:sldId id="275" r:id="rId18"/>
-    <p:sldId id="277" r:id="rId19"/>
+    <p:sldId id="279" r:id="rId4"/>
+    <p:sldId id="278" r:id="rId5"/>
+    <p:sldId id="261" r:id="rId6"/>
+    <p:sldId id="266" r:id="rId7"/>
+    <p:sldId id="267" r:id="rId8"/>
+    <p:sldId id="268" r:id="rId9"/>
+    <p:sldId id="269" r:id="rId10"/>
+    <p:sldId id="270" r:id="rId11"/>
+    <p:sldId id="271" r:id="rId12"/>
+    <p:sldId id="272" r:id="rId13"/>
+    <p:sldId id="273" r:id="rId14"/>
+    <p:sldId id="274" r:id="rId15"/>
+    <p:sldId id="275" r:id="rId16"/>
+    <p:sldId id="277" r:id="rId17"/>
   </p:sldIdLst>
-  <p:sldSz cx="9144000" cy="5715000" type="screen16x10"/>
+  <p:sldSz cx="10160000" cy="5715000"/>
   <p:notesSz cx="6858000" cy="9144000"/>
   <p:defaultTextStyle>
     <a:defPPr rtl="0">
@@ -130,12 +128,12 @@
   <p:extLst>
     <p:ext uri="{EFAFB233-063F-42B5-8137-9DF3F51BA10A}">
       <p15:sldGuideLst xmlns:p15="http://schemas.microsoft.com/office/powerpoint/2012/main">
-        <p15:guide id="1" orient="horz" pos="1800">
+        <p15:guide id="1" orient="horz" pos="1800" userDrawn="1">
           <p15:clr>
             <a:srgbClr val="A4A3A4"/>
           </p15:clr>
         </p15:guide>
-        <p15:guide id="2" pos="2880">
+        <p15:guide id="2" pos="3200" userDrawn="1">
           <p15:clr>
             <a:srgbClr val="A4A3A4"/>
           </p15:clr>
@@ -233,7 +231,7 @@
             <a:pPr rtl="0"/>
             <a:fld id="{16311DD2-1404-4AD4-9614-501E06A89033}" type="datetime1">
               <a:rPr lang="es-ES" smtClean="0"/>
-              <a:t>17/02/2021</a:t>
+              <a:t>20/05/2023</a:t>
             </a:fld>
             <a:endParaRPr lang="es-ES" dirty="0"/>
           </a:p>
@@ -402,7 +400,7 @@
             <a:fld id="{83E2FCFB-5C3A-4B64-B75C-00008EE5FFC6}" type="datetime1">
               <a:rPr lang="es-ES" smtClean="0"/>
               <a:pPr/>
-              <a:t>17/02/2021</a:t>
+              <a:t>20/05/2023</a:t>
             </a:fld>
             <a:endParaRPr lang="es-ES" dirty="0"/>
           </a:p>
@@ -420,8 +418,8 @@
         </p:nvSpPr>
         <p:spPr>
           <a:xfrm>
-            <a:off x="960438" y="1143000"/>
-            <a:ext cx="4937125" cy="3086100"/>
+            <a:off x="685800" y="1143000"/>
+            <a:ext cx="5486400" cy="3086100"/>
           </a:xfrm>
           <a:prstGeom prst="rect">
             <a:avLst/>
@@ -701,8 +699,8 @@
         </p:nvSpPr>
         <p:spPr>
           <a:xfrm>
-            <a:off x="960438" y="1143000"/>
-            <a:ext cx="4937125" cy="3086100"/>
+            <a:off x="685800" y="1143000"/>
+            <a:ext cx="5486400" cy="3086100"/>
           </a:xfrm>
         </p:spPr>
       </p:sp>
@@ -826,8 +824,8 @@
         </p:nvSpPr>
         <p:spPr>
           <a:xfrm>
-            <a:off x="960438" y="1143000"/>
-            <a:ext cx="4937125" cy="3086100"/>
+            <a:off x="685800" y="1143000"/>
+            <a:ext cx="5486400" cy="3086100"/>
           </a:xfrm>
         </p:spPr>
       </p:sp>
@@ -890,7 +888,7 @@
     </p:spTree>
     <p:extLst>
       <p:ext uri="{BB962C8B-B14F-4D97-AF65-F5344CB8AC3E}">
-        <p14:creationId xmlns:p14="http://schemas.microsoft.com/office/powerpoint/2010/main" val="897433030"/>
+        <p14:creationId xmlns:p14="http://schemas.microsoft.com/office/powerpoint/2010/main" val="2481419399"/>
       </p:ext>
     </p:extLst>
   </p:cSld>
@@ -929,8 +927,8 @@
         </p:nvSpPr>
         <p:spPr>
           <a:xfrm>
-            <a:off x="960438" y="1143000"/>
-            <a:ext cx="4937125" cy="3086100"/>
+            <a:off x="685800" y="1143000"/>
+            <a:ext cx="5486400" cy="3086100"/>
           </a:xfrm>
         </p:spPr>
       </p:sp>
@@ -993,7 +991,7 @@
     </p:spTree>
     <p:extLst>
       <p:ext uri="{BB962C8B-B14F-4D97-AF65-F5344CB8AC3E}">
-        <p14:creationId xmlns:p14="http://schemas.microsoft.com/office/powerpoint/2010/main" val="1098479255"/>
+        <p14:creationId xmlns:p14="http://schemas.microsoft.com/office/powerpoint/2010/main" val="1733875075"/>
       </p:ext>
     </p:extLst>
   </p:cSld>
@@ -1032,8 +1030,8 @@
         </p:nvSpPr>
         <p:spPr>
           <a:xfrm>
-            <a:off x="960438" y="1143000"/>
-            <a:ext cx="4937125" cy="3086100"/>
+            <a:off x="685800" y="1143000"/>
+            <a:ext cx="5486400" cy="3086100"/>
           </a:xfrm>
         </p:spPr>
       </p:sp>
@@ -1096,7 +1094,7 @@
     </p:spTree>
     <p:extLst>
       <p:ext uri="{BB962C8B-B14F-4D97-AF65-F5344CB8AC3E}">
-        <p14:creationId xmlns:p14="http://schemas.microsoft.com/office/powerpoint/2010/main" val="2481419399"/>
+        <p14:creationId xmlns:p14="http://schemas.microsoft.com/office/powerpoint/2010/main" val="2886181581"/>
       </p:ext>
     </p:extLst>
   </p:cSld>
@@ -1135,8 +1133,8 @@
         </p:nvSpPr>
         <p:spPr>
           <a:xfrm>
-            <a:off x="960438" y="1143000"/>
-            <a:ext cx="4937125" cy="3086100"/>
+            <a:off x="685800" y="1143000"/>
+            <a:ext cx="5486400" cy="3086100"/>
           </a:xfrm>
         </p:spPr>
       </p:sp>
@@ -1199,7 +1197,7 @@
     </p:spTree>
     <p:extLst>
       <p:ext uri="{BB962C8B-B14F-4D97-AF65-F5344CB8AC3E}">
-        <p14:creationId xmlns:p14="http://schemas.microsoft.com/office/powerpoint/2010/main" val="1733875075"/>
+        <p14:creationId xmlns:p14="http://schemas.microsoft.com/office/powerpoint/2010/main" val="2369617355"/>
       </p:ext>
     </p:extLst>
   </p:cSld>
@@ -1238,8 +1236,8 @@
         </p:nvSpPr>
         <p:spPr>
           <a:xfrm>
-            <a:off x="960438" y="1143000"/>
-            <a:ext cx="4937125" cy="3086100"/>
+            <a:off x="685800" y="1143000"/>
+            <a:ext cx="5486400" cy="3086100"/>
           </a:xfrm>
         </p:spPr>
       </p:sp>
@@ -1302,7 +1300,7 @@
     </p:spTree>
     <p:extLst>
       <p:ext uri="{BB962C8B-B14F-4D97-AF65-F5344CB8AC3E}">
-        <p14:creationId xmlns:p14="http://schemas.microsoft.com/office/powerpoint/2010/main" val="2886181581"/>
+        <p14:creationId xmlns:p14="http://schemas.microsoft.com/office/powerpoint/2010/main" val="1058960851"/>
       </p:ext>
     </p:extLst>
   </p:cSld>
@@ -1341,8 +1339,8 @@
         </p:nvSpPr>
         <p:spPr>
           <a:xfrm>
-            <a:off x="960438" y="1143000"/>
-            <a:ext cx="4937125" cy="3086100"/>
+            <a:off x="685800" y="1143000"/>
+            <a:ext cx="5486400" cy="3086100"/>
           </a:xfrm>
         </p:spPr>
       </p:sp>
@@ -1405,7 +1403,7 @@
     </p:spTree>
     <p:extLst>
       <p:ext uri="{BB962C8B-B14F-4D97-AF65-F5344CB8AC3E}">
-        <p14:creationId xmlns:p14="http://schemas.microsoft.com/office/powerpoint/2010/main" val="2369617355"/>
+        <p14:creationId xmlns:p14="http://schemas.microsoft.com/office/powerpoint/2010/main" val="2764149027"/>
       </p:ext>
     </p:extLst>
   </p:cSld>
@@ -1444,8 +1442,8 @@
         </p:nvSpPr>
         <p:spPr>
           <a:xfrm>
-            <a:off x="960438" y="1143000"/>
-            <a:ext cx="4937125" cy="3086100"/>
+            <a:off x="685800" y="1143000"/>
+            <a:ext cx="5486400" cy="3086100"/>
           </a:xfrm>
         </p:spPr>
       </p:sp>
@@ -1496,212 +1494,6 @@
                 <a:cs typeface="Tahoma" panose="020B0604030504040204" pitchFamily="34" charset="0"/>
               </a:rPr>
               <a:t>16</a:t>
-            </a:fld>
-            <a:endParaRPr lang="es-ES" dirty="0">
-              <a:latin typeface="Tahoma" panose="020B0604030504040204" pitchFamily="34" charset="0"/>
-              <a:ea typeface="Tahoma" panose="020B0604030504040204" pitchFamily="34" charset="0"/>
-              <a:cs typeface="Tahoma" panose="020B0604030504040204" pitchFamily="34" charset="0"/>
-            </a:endParaRPr>
-          </a:p>
-        </p:txBody>
-      </p:sp>
-    </p:spTree>
-    <p:extLst>
-      <p:ext uri="{BB962C8B-B14F-4D97-AF65-F5344CB8AC3E}">
-        <p14:creationId xmlns:p14="http://schemas.microsoft.com/office/powerpoint/2010/main" val="1058960851"/>
-      </p:ext>
-    </p:extLst>
-  </p:cSld>
-  <p:clrMapOvr>
-    <a:masterClrMapping/>
-  </p:clrMapOvr>
-</p:notes>
-</file>
-
-<file path=ppt/notesSlides/notesSlide17.xml><?xml version="1.0" encoding="utf-8"?>
-<p:notes xmlns:a="http://schemas.openxmlformats.org/drawingml/2006/main" xmlns:r="http://schemas.openxmlformats.org/officeDocument/2006/relationships" xmlns:p="http://schemas.openxmlformats.org/presentationml/2006/main">
-  <p:cSld>
-    <p:spTree>
-      <p:nvGrpSpPr>
-        <p:cNvPr id="1" name=""/>
-        <p:cNvGrpSpPr/>
-        <p:nvPr/>
-      </p:nvGrpSpPr>
-      <p:grpSpPr>
-        <a:xfrm>
-          <a:off x="0" y="0"/>
-          <a:ext cx="0" cy="0"/>
-          <a:chOff x="0" y="0"/>
-          <a:chExt cx="0" cy="0"/>
-        </a:xfrm>
-      </p:grpSpPr>
-      <p:sp>
-        <p:nvSpPr>
-          <p:cNvPr id="2" name="Marcador de posición de imagen de diapositiva 1"/>
-          <p:cNvSpPr>
-            <a:spLocks noGrp="1" noRot="1" noChangeAspect="1"/>
-          </p:cNvSpPr>
-          <p:nvPr>
-            <p:ph type="sldImg"/>
-          </p:nvPr>
-        </p:nvSpPr>
-        <p:spPr>
-          <a:xfrm>
-            <a:off x="960438" y="1143000"/>
-            <a:ext cx="4937125" cy="3086100"/>
-          </a:xfrm>
-        </p:spPr>
-      </p:sp>
-      <p:sp>
-        <p:nvSpPr>
-          <p:cNvPr id="3" name="Marcador de posición de notas 2"/>
-          <p:cNvSpPr>
-            <a:spLocks noGrp="1"/>
-          </p:cNvSpPr>
-          <p:nvPr>
-            <p:ph type="body" idx="1"/>
-          </p:nvPr>
-        </p:nvSpPr>
-        <p:spPr/>
-        <p:txBody>
-          <a:bodyPr rtlCol="0"/>
-          <a:lstStyle/>
-          <a:p>
-            <a:pPr rtl="0"/>
-            <a:endParaRPr lang="es-ES" dirty="0">
-              <a:latin typeface="Tahoma" panose="020B0604030504040204" pitchFamily="34" charset="0"/>
-              <a:ea typeface="Tahoma" panose="020B0604030504040204" pitchFamily="34" charset="0"/>
-              <a:cs typeface="Tahoma" panose="020B0604030504040204" pitchFamily="34" charset="0"/>
-            </a:endParaRPr>
-          </a:p>
-        </p:txBody>
-      </p:sp>
-      <p:sp>
-        <p:nvSpPr>
-          <p:cNvPr id="4" name="Marcador de posición de número de diapositiva 3"/>
-          <p:cNvSpPr>
-            <a:spLocks noGrp="1"/>
-          </p:cNvSpPr>
-          <p:nvPr>
-            <p:ph type="sldNum" sz="quarter" idx="10"/>
-          </p:nvPr>
-        </p:nvSpPr>
-        <p:spPr/>
-        <p:txBody>
-          <a:bodyPr rtlCol="0"/>
-          <a:lstStyle/>
-          <a:p>
-            <a:pPr rtl="0"/>
-            <a:fld id="{B262A795-6F94-4A96-B820-B9038480D048}" type="slidenum">
-              <a:rPr lang="es-ES" smtClean="0">
-                <a:latin typeface="Tahoma" panose="020B0604030504040204" pitchFamily="34" charset="0"/>
-                <a:ea typeface="Tahoma" panose="020B0604030504040204" pitchFamily="34" charset="0"/>
-                <a:cs typeface="Tahoma" panose="020B0604030504040204" pitchFamily="34" charset="0"/>
-              </a:rPr>
-              <a:t>17</a:t>
-            </a:fld>
-            <a:endParaRPr lang="es-ES" dirty="0">
-              <a:latin typeface="Tahoma" panose="020B0604030504040204" pitchFamily="34" charset="0"/>
-              <a:ea typeface="Tahoma" panose="020B0604030504040204" pitchFamily="34" charset="0"/>
-              <a:cs typeface="Tahoma" panose="020B0604030504040204" pitchFamily="34" charset="0"/>
-            </a:endParaRPr>
-          </a:p>
-        </p:txBody>
-      </p:sp>
-    </p:spTree>
-    <p:extLst>
-      <p:ext uri="{BB962C8B-B14F-4D97-AF65-F5344CB8AC3E}">
-        <p14:creationId xmlns:p14="http://schemas.microsoft.com/office/powerpoint/2010/main" val="2764149027"/>
-      </p:ext>
-    </p:extLst>
-  </p:cSld>
-  <p:clrMapOvr>
-    <a:masterClrMapping/>
-  </p:clrMapOvr>
-</p:notes>
-</file>
-
-<file path=ppt/notesSlides/notesSlide18.xml><?xml version="1.0" encoding="utf-8"?>
-<p:notes xmlns:a="http://schemas.openxmlformats.org/drawingml/2006/main" xmlns:r="http://schemas.openxmlformats.org/officeDocument/2006/relationships" xmlns:p="http://schemas.openxmlformats.org/presentationml/2006/main">
-  <p:cSld>
-    <p:spTree>
-      <p:nvGrpSpPr>
-        <p:cNvPr id="1" name=""/>
-        <p:cNvGrpSpPr/>
-        <p:nvPr/>
-      </p:nvGrpSpPr>
-      <p:grpSpPr>
-        <a:xfrm>
-          <a:off x="0" y="0"/>
-          <a:ext cx="0" cy="0"/>
-          <a:chOff x="0" y="0"/>
-          <a:chExt cx="0" cy="0"/>
-        </a:xfrm>
-      </p:grpSpPr>
-      <p:sp>
-        <p:nvSpPr>
-          <p:cNvPr id="2" name="Marcador de posición de imagen de diapositiva 1"/>
-          <p:cNvSpPr>
-            <a:spLocks noGrp="1" noRot="1" noChangeAspect="1"/>
-          </p:cNvSpPr>
-          <p:nvPr>
-            <p:ph type="sldImg"/>
-          </p:nvPr>
-        </p:nvSpPr>
-        <p:spPr>
-          <a:xfrm>
-            <a:off x="960438" y="1143000"/>
-            <a:ext cx="4937125" cy="3086100"/>
-          </a:xfrm>
-        </p:spPr>
-      </p:sp>
-      <p:sp>
-        <p:nvSpPr>
-          <p:cNvPr id="3" name="Marcador de posición de notas 2"/>
-          <p:cNvSpPr>
-            <a:spLocks noGrp="1"/>
-          </p:cNvSpPr>
-          <p:nvPr>
-            <p:ph type="body" idx="1"/>
-          </p:nvPr>
-        </p:nvSpPr>
-        <p:spPr/>
-        <p:txBody>
-          <a:bodyPr rtlCol="0"/>
-          <a:lstStyle/>
-          <a:p>
-            <a:pPr rtl="0"/>
-            <a:endParaRPr lang="es-ES" dirty="0">
-              <a:latin typeface="Tahoma" panose="020B0604030504040204" pitchFamily="34" charset="0"/>
-              <a:ea typeface="Tahoma" panose="020B0604030504040204" pitchFamily="34" charset="0"/>
-              <a:cs typeface="Tahoma" panose="020B0604030504040204" pitchFamily="34" charset="0"/>
-            </a:endParaRPr>
-          </a:p>
-        </p:txBody>
-      </p:sp>
-      <p:sp>
-        <p:nvSpPr>
-          <p:cNvPr id="4" name="Marcador de posición de número de diapositiva 3"/>
-          <p:cNvSpPr>
-            <a:spLocks noGrp="1"/>
-          </p:cNvSpPr>
-          <p:nvPr>
-            <p:ph type="sldNum" sz="quarter" idx="10"/>
-          </p:nvPr>
-        </p:nvSpPr>
-        <p:spPr/>
-        <p:txBody>
-          <a:bodyPr rtlCol="0"/>
-          <a:lstStyle/>
-          <a:p>
-            <a:pPr rtl="0"/>
-            <a:fld id="{B262A795-6F94-4A96-B820-B9038480D048}" type="slidenum">
-              <a:rPr lang="es-ES" smtClean="0">
-                <a:latin typeface="Tahoma" panose="020B0604030504040204" pitchFamily="34" charset="0"/>
-                <a:ea typeface="Tahoma" panose="020B0604030504040204" pitchFamily="34" charset="0"/>
-                <a:cs typeface="Tahoma" panose="020B0604030504040204" pitchFamily="34" charset="0"/>
-              </a:rPr>
-              <a:t>18</a:t>
             </a:fld>
             <a:endParaRPr lang="es-ES" dirty="0">
               <a:latin typeface="Tahoma" panose="020B0604030504040204" pitchFamily="34" charset="0"/>
@@ -1753,8 +1545,8 @@
         </p:nvSpPr>
         <p:spPr>
           <a:xfrm>
-            <a:off x="960438" y="1143000"/>
-            <a:ext cx="4937125" cy="3086100"/>
+            <a:off x="685800" y="1143000"/>
+            <a:ext cx="5486400" cy="3086100"/>
           </a:xfrm>
         </p:spPr>
       </p:sp>
@@ -1856,8 +1648,8 @@
         </p:nvSpPr>
         <p:spPr>
           <a:xfrm>
-            <a:off x="960438" y="1143000"/>
-            <a:ext cx="4937125" cy="3086100"/>
+            <a:off x="685800" y="1143000"/>
+            <a:ext cx="5486400" cy="3086100"/>
           </a:xfrm>
         </p:spPr>
       </p:sp>
@@ -1920,7 +1712,7 @@
     </p:spTree>
     <p:extLst>
       <p:ext uri="{BB962C8B-B14F-4D97-AF65-F5344CB8AC3E}">
-        <p14:creationId xmlns:p14="http://schemas.microsoft.com/office/powerpoint/2010/main" val="1857574963"/>
+        <p14:creationId xmlns:p14="http://schemas.microsoft.com/office/powerpoint/2010/main" val="2913811699"/>
       </p:ext>
     </p:extLst>
   </p:cSld>
@@ -1959,8 +1751,8 @@
         </p:nvSpPr>
         <p:spPr>
           <a:xfrm>
-            <a:off x="960438" y="1143000"/>
-            <a:ext cx="4937125" cy="3086100"/>
+            <a:off x="685800" y="1143000"/>
+            <a:ext cx="5486400" cy="3086100"/>
           </a:xfrm>
         </p:spPr>
       </p:sp>
@@ -2023,7 +1815,7 @@
     </p:spTree>
     <p:extLst>
       <p:ext uri="{BB962C8B-B14F-4D97-AF65-F5344CB8AC3E}">
-        <p14:creationId xmlns:p14="http://schemas.microsoft.com/office/powerpoint/2010/main" val="2660727031"/>
+        <p14:creationId xmlns:p14="http://schemas.microsoft.com/office/powerpoint/2010/main" val="3841856787"/>
       </p:ext>
     </p:extLst>
   </p:cSld>
@@ -2062,8 +1854,8 @@
         </p:nvSpPr>
         <p:spPr>
           <a:xfrm>
-            <a:off x="960438" y="1143000"/>
-            <a:ext cx="4937125" cy="3086100"/>
+            <a:off x="685800" y="1143000"/>
+            <a:ext cx="5486400" cy="3086100"/>
           </a:xfrm>
         </p:spPr>
       </p:sp>
@@ -2126,7 +1918,7 @@
     </p:spTree>
     <p:extLst>
       <p:ext uri="{BB962C8B-B14F-4D97-AF65-F5344CB8AC3E}">
-        <p14:creationId xmlns:p14="http://schemas.microsoft.com/office/powerpoint/2010/main" val="609789452"/>
+        <p14:creationId xmlns:p14="http://schemas.microsoft.com/office/powerpoint/2010/main" val="1857574963"/>
       </p:ext>
     </p:extLst>
   </p:cSld>
@@ -2165,8 +1957,8 @@
         </p:nvSpPr>
         <p:spPr>
           <a:xfrm>
-            <a:off x="960438" y="1143000"/>
-            <a:ext cx="4937125" cy="3086100"/>
+            <a:off x="685800" y="1143000"/>
+            <a:ext cx="5486400" cy="3086100"/>
           </a:xfrm>
         </p:spPr>
       </p:sp>
@@ -2229,7 +2021,7 @@
     </p:spTree>
     <p:extLst>
       <p:ext uri="{BB962C8B-B14F-4D97-AF65-F5344CB8AC3E}">
-        <p14:creationId xmlns:p14="http://schemas.microsoft.com/office/powerpoint/2010/main" val="4102033102"/>
+        <p14:creationId xmlns:p14="http://schemas.microsoft.com/office/powerpoint/2010/main" val="2077561631"/>
       </p:ext>
     </p:extLst>
   </p:cSld>
@@ -2268,8 +2060,8 @@
         </p:nvSpPr>
         <p:spPr>
           <a:xfrm>
-            <a:off x="960438" y="1143000"/>
-            <a:ext cx="4937125" cy="3086100"/>
+            <a:off x="685800" y="1143000"/>
+            <a:ext cx="5486400" cy="3086100"/>
           </a:xfrm>
         </p:spPr>
       </p:sp>
@@ -2332,7 +2124,7 @@
     </p:spTree>
     <p:extLst>
       <p:ext uri="{BB962C8B-B14F-4D97-AF65-F5344CB8AC3E}">
-        <p14:creationId xmlns:p14="http://schemas.microsoft.com/office/powerpoint/2010/main" val="162426788"/>
+        <p14:creationId xmlns:p14="http://schemas.microsoft.com/office/powerpoint/2010/main" val="2360657627"/>
       </p:ext>
     </p:extLst>
   </p:cSld>
@@ -2371,8 +2163,8 @@
         </p:nvSpPr>
         <p:spPr>
           <a:xfrm>
-            <a:off x="960438" y="1143000"/>
-            <a:ext cx="4937125" cy="3086100"/>
+            <a:off x="685800" y="1143000"/>
+            <a:ext cx="5486400" cy="3086100"/>
           </a:xfrm>
         </p:spPr>
       </p:sp>
@@ -2435,7 +2227,7 @@
     </p:spTree>
     <p:extLst>
       <p:ext uri="{BB962C8B-B14F-4D97-AF65-F5344CB8AC3E}">
-        <p14:creationId xmlns:p14="http://schemas.microsoft.com/office/powerpoint/2010/main" val="2077561631"/>
+        <p14:creationId xmlns:p14="http://schemas.microsoft.com/office/powerpoint/2010/main" val="897433030"/>
       </p:ext>
     </p:extLst>
   </p:cSld>
@@ -2474,8 +2266,8 @@
         </p:nvSpPr>
         <p:spPr>
           <a:xfrm>
-            <a:off x="960438" y="1143000"/>
-            <a:ext cx="4937125" cy="3086100"/>
+            <a:off x="685800" y="1143000"/>
+            <a:ext cx="5486400" cy="3086100"/>
           </a:xfrm>
         </p:spPr>
       </p:sp>
@@ -2538,7 +2330,7 @@
     </p:spTree>
     <p:extLst>
       <p:ext uri="{BB962C8B-B14F-4D97-AF65-F5344CB8AC3E}">
-        <p14:creationId xmlns:p14="http://schemas.microsoft.com/office/powerpoint/2010/main" val="2360657627"/>
+        <p14:creationId xmlns:p14="http://schemas.microsoft.com/office/powerpoint/2010/main" val="1098479255"/>
       </p:ext>
     </p:extLst>
   </p:cSld>
@@ -2575,8 +2367,8 @@
         </p:nvSpPr>
         <p:spPr>
           <a:xfrm>
-            <a:off x="173355" y="203201"/>
-            <a:ext cx="8793480" cy="5314949"/>
+            <a:off x="192617" y="203202"/>
+            <a:ext cx="9770533" cy="5314949"/>
           </a:xfrm>
           <a:prstGeom prst="rect">
             <a:avLst/>
@@ -2619,8 +2411,8 @@
         </p:nvSpPr>
         <p:spPr>
           <a:xfrm>
-            <a:off x="832485" y="735313"/>
-            <a:ext cx="7475220" cy="2438400"/>
+            <a:off x="924983" y="735313"/>
+            <a:ext cx="8305800" cy="2438400"/>
           </a:xfrm>
         </p:spPr>
         <p:txBody>
@@ -2661,8 +2453,8 @@
         </p:nvSpPr>
         <p:spPr>
           <a:xfrm>
-            <a:off x="1282148" y="3224696"/>
-            <a:ext cx="6575895" cy="1156804"/>
+            <a:off x="1424609" y="3224696"/>
+            <a:ext cx="7306550" cy="1156804"/>
           </a:xfrm>
         </p:spPr>
         <p:txBody>
@@ -2747,7 +2539,7 @@
             <a:pPr rtl="0"/>
             <a:fld id="{26C8FCF1-F3AA-4FDB-8A17-2C171E308741}" type="datetime1">
               <a:rPr lang="es-ES" noProof="0" smtClean="0"/>
-              <a:t>17/02/2021</a:t>
+              <a:t>20/05/2023</a:t>
             </a:fld>
             <a:endParaRPr lang="es-ES" noProof="0" dirty="0"/>
           </a:p>
@@ -2823,8 +2615,8 @@
         </p:nvCxnSpPr>
         <p:spPr>
           <a:xfrm>
-            <a:off x="978694" y="3111500"/>
-            <a:ext cx="7200900" cy="0"/>
+            <a:off x="1087438" y="3111500"/>
+            <a:ext cx="8001000" cy="0"/>
           </a:xfrm>
           <a:prstGeom prst="line">
             <a:avLst/>
@@ -2974,7 +2766,7 @@
             <a:pPr rtl="0"/>
             <a:fld id="{C5470B91-F814-4B9B-AA3B-3C51F2BE89C5}" type="datetime1">
               <a:rPr lang="es-ES" noProof="0" smtClean="0"/>
-              <a:t>17/02/2021</a:t>
+              <a:t>20/05/2023</a:t>
             </a:fld>
             <a:endParaRPr lang="es-ES" noProof="0" dirty="0"/>
           </a:p>
@@ -3066,8 +2858,8 @@
         </p:nvSpPr>
         <p:spPr>
           <a:xfrm>
-            <a:off x="6543675" y="635000"/>
-            <a:ext cx="1743075" cy="4508500"/>
+            <a:off x="7270751" y="635000"/>
+            <a:ext cx="1936750" cy="4508500"/>
           </a:xfrm>
         </p:spPr>
         <p:txBody>
@@ -3095,8 +2887,8 @@
         </p:nvSpPr>
         <p:spPr>
           <a:xfrm>
-            <a:off x="857250" y="635000"/>
-            <a:ext cx="5572125" cy="4508500"/>
+            <a:off x="952501" y="635000"/>
+            <a:ext cx="6191250" cy="4508500"/>
           </a:xfrm>
         </p:spPr>
         <p:txBody>
@@ -3158,7 +2950,7 @@
             <a:pPr rtl="0"/>
             <a:fld id="{ED835F3C-9C57-4EBD-805B-107A2B7AB542}" type="datetime1">
               <a:rPr lang="es-ES" noProof="0" smtClean="0"/>
-              <a:t>17/02/2021</a:t>
+              <a:t>20/05/2023</a:t>
             </a:fld>
             <a:endParaRPr lang="es-ES" noProof="0" dirty="0"/>
           </a:p>
@@ -3332,7 +3124,7 @@
             <a:pPr rtl="0"/>
             <a:fld id="{AB699E20-7F7B-4F37-AFD2-50870051BB9C}" type="datetime1">
               <a:rPr lang="es-ES" noProof="0" smtClean="0"/>
-              <a:t>17/02/2021</a:t>
+              <a:t>20/05/2023</a:t>
             </a:fld>
             <a:endParaRPr lang="es-ES" noProof="0" dirty="0"/>
           </a:p>
@@ -3424,8 +3216,8 @@
         </p:nvSpPr>
         <p:spPr>
           <a:xfrm>
-            <a:off x="829818" y="977979"/>
-            <a:ext cx="7475220" cy="2438400"/>
+            <a:off x="922020" y="977979"/>
+            <a:ext cx="8305800" cy="2438400"/>
           </a:xfrm>
         </p:spPr>
         <p:txBody>
@@ -3462,8 +3254,8 @@
         </p:nvSpPr>
         <p:spPr>
           <a:xfrm>
-            <a:off x="1282446" y="3462100"/>
-            <a:ext cx="6576822" cy="1136505"/>
+            <a:off x="1424940" y="3462101"/>
+            <a:ext cx="7307580" cy="1136505"/>
           </a:xfrm>
         </p:spPr>
         <p:txBody>
@@ -3587,7 +3379,7 @@
             <a:pPr rtl="0"/>
             <a:fld id="{245D95F4-6294-46FB-BED2-470C54CD309B}" type="datetime1">
               <a:rPr lang="es-ES" noProof="0" smtClean="0"/>
-              <a:t>17/02/2021</a:t>
+              <a:t>20/05/2023</a:t>
             </a:fld>
             <a:endParaRPr lang="es-ES" noProof="0" dirty="0"/>
           </a:p>
@@ -3645,8 +3437,8 @@
         </p:nvCxnSpPr>
         <p:spPr>
           <a:xfrm>
-            <a:off x="1485900" y="3350340"/>
-            <a:ext cx="6172201" cy="0"/>
+            <a:off x="1651001" y="3350340"/>
+            <a:ext cx="6858001" cy="0"/>
           </a:xfrm>
           <a:prstGeom prst="line">
             <a:avLst/>
@@ -3738,8 +3530,8 @@
         </p:nvSpPr>
         <p:spPr>
           <a:xfrm>
-            <a:off x="857250" y="1714499"/>
-            <a:ext cx="3566160" cy="3352800"/>
+            <a:off x="952500" y="1714499"/>
+            <a:ext cx="3962400" cy="3352800"/>
           </a:xfrm>
         </p:spPr>
         <p:txBody>
@@ -3823,8 +3615,8 @@
         </p:nvSpPr>
         <p:spPr>
           <a:xfrm>
-            <a:off x="4700709" y="1714500"/>
-            <a:ext cx="3566160" cy="3352800"/>
+            <a:off x="5223010" y="1714500"/>
+            <a:ext cx="3962400" cy="3352800"/>
           </a:xfrm>
         </p:spPr>
         <p:txBody>
@@ -3914,7 +3706,7 @@
             <a:pPr rtl="0"/>
             <a:fld id="{B212402B-58A7-4079-84A4-9B3ECD262263}" type="datetime1">
               <a:rPr lang="es-ES" noProof="0" smtClean="0"/>
-              <a:t>17/02/2021</a:t>
+              <a:t>20/05/2023</a:t>
             </a:fld>
             <a:endParaRPr lang="es-ES" noProof="0" dirty="0"/>
           </a:p>
@@ -4030,8 +3822,8 @@
         </p:nvSpPr>
         <p:spPr>
           <a:xfrm>
-            <a:off x="857250" y="1667926"/>
-            <a:ext cx="3566160" cy="647700"/>
+            <a:off x="952500" y="1667926"/>
+            <a:ext cx="3962400" cy="647700"/>
           </a:xfrm>
         </p:spPr>
         <p:txBody>
@@ -4098,8 +3890,8 @@
         </p:nvSpPr>
         <p:spPr>
           <a:xfrm>
-            <a:off x="857250" y="2267903"/>
-            <a:ext cx="3566160" cy="2819400"/>
+            <a:off x="952500" y="2267903"/>
+            <a:ext cx="3962400" cy="2819400"/>
           </a:xfrm>
         </p:spPr>
         <p:txBody>
@@ -4183,8 +3975,8 @@
         </p:nvSpPr>
         <p:spPr>
           <a:xfrm>
-            <a:off x="4701880" y="1665860"/>
-            <a:ext cx="3566160" cy="647700"/>
+            <a:off x="5224311" y="1665860"/>
+            <a:ext cx="3962400" cy="647700"/>
           </a:xfrm>
         </p:spPr>
         <p:txBody>
@@ -4251,8 +4043,8 @@
         </p:nvSpPr>
         <p:spPr>
           <a:xfrm>
-            <a:off x="4701880" y="2266102"/>
-            <a:ext cx="3566160" cy="2819400"/>
+            <a:off x="5224311" y="2266102"/>
+            <a:ext cx="3962400" cy="2819400"/>
           </a:xfrm>
         </p:spPr>
         <p:txBody>
@@ -4342,7 +4134,7 @@
             <a:pPr rtl="0"/>
             <a:fld id="{6E4FA3BB-22B0-47F1-9051-72CDE62E688F}" type="datetime1">
               <a:rPr lang="es-ES" noProof="0" smtClean="0"/>
-              <a:t>17/02/2021</a:t>
+              <a:t>20/05/2023</a:t>
             </a:fld>
             <a:endParaRPr lang="es-ES" noProof="0" dirty="0"/>
           </a:p>
@@ -4464,7 +4256,7 @@
             <a:pPr rtl="0"/>
             <a:fld id="{B723C4E6-6BAB-45D7-A331-7972B0412103}" type="datetime1">
               <a:rPr lang="es-ES" noProof="0" smtClean="0"/>
-              <a:t>17/02/2021</a:t>
+              <a:t>20/05/2023</a:t>
             </a:fld>
             <a:endParaRPr lang="es-ES" noProof="0" dirty="0"/>
           </a:p>
@@ -4562,7 +4354,7 @@
             <a:pPr rtl="0"/>
             <a:fld id="{F66E4CD3-F2CC-42DA-BE22-23AE45D6EF47}" type="datetime1">
               <a:rPr lang="es-ES" noProof="0" smtClean="0"/>
-              <a:t>17/02/2021</a:t>
+              <a:t>20/05/2023</a:t>
             </a:fld>
             <a:endParaRPr lang="es-ES" noProof="0" dirty="0"/>
           </a:p>
@@ -4654,8 +4446,8 @@
         </p:nvSpPr>
         <p:spPr>
           <a:xfrm>
-            <a:off x="857250" y="914400"/>
-            <a:ext cx="2948940" cy="1447800"/>
+            <a:off x="952500" y="914400"/>
+            <a:ext cx="3276600" cy="1447800"/>
           </a:xfrm>
         </p:spPr>
         <p:txBody>
@@ -4692,8 +4484,8 @@
         </p:nvSpPr>
         <p:spPr>
           <a:xfrm>
-            <a:off x="4389119" y="914400"/>
-            <a:ext cx="3909060" cy="3886200"/>
+            <a:off x="4876799" y="914400"/>
+            <a:ext cx="4343400" cy="3886200"/>
           </a:xfrm>
         </p:spPr>
         <p:txBody>
@@ -4777,8 +4569,8 @@
         </p:nvSpPr>
         <p:spPr>
           <a:xfrm>
-            <a:off x="857250" y="2362200"/>
-            <a:ext cx="2948940" cy="2514600"/>
+            <a:off x="952500" y="2362200"/>
+            <a:ext cx="3276600" cy="2514600"/>
           </a:xfrm>
         </p:spPr>
         <p:txBody>
@@ -4856,7 +4648,7 @@
             <a:pPr rtl="0"/>
             <a:fld id="{0E590D0D-54FD-4BE8-9D95-21C52216E548}" type="datetime1">
               <a:rPr lang="es-ES" noProof="0" smtClean="0"/>
-              <a:t>17/02/2021</a:t>
+              <a:t>20/05/2023</a:t>
             </a:fld>
             <a:endParaRPr lang="es-ES" noProof="0" dirty="0"/>
           </a:p>
@@ -4948,8 +4740,8 @@
         </p:nvSpPr>
         <p:spPr>
           <a:xfrm>
-            <a:off x="857250" y="914400"/>
-            <a:ext cx="2948940" cy="1447800"/>
+            <a:off x="952500" y="914400"/>
+            <a:ext cx="3276600" cy="1447800"/>
           </a:xfrm>
         </p:spPr>
         <p:txBody>
@@ -4986,8 +4778,8 @@
         </p:nvSpPr>
         <p:spPr>
           <a:xfrm>
-            <a:off x="4059936" y="891539"/>
-            <a:ext cx="4574286" cy="4000500"/>
+            <a:off x="4511040" y="891539"/>
+            <a:ext cx="5082540" cy="4000500"/>
           </a:xfrm>
         </p:spPr>
         <p:txBody>
@@ -5054,8 +4846,8 @@
         </p:nvSpPr>
         <p:spPr>
           <a:xfrm>
-            <a:off x="857250" y="2362200"/>
-            <a:ext cx="2948940" cy="2400300"/>
+            <a:off x="952500" y="2362200"/>
+            <a:ext cx="3276600" cy="2400300"/>
           </a:xfrm>
         </p:spPr>
         <p:txBody>
@@ -5133,7 +4925,7 @@
             <a:pPr rtl="0"/>
             <a:fld id="{7E067088-AA6F-4E5A-ABD3-B4AB2417079E}" type="datetime1">
               <a:rPr lang="es-ES" noProof="0" smtClean="0"/>
-              <a:t>17/02/2021</a:t>
+              <a:t>20/05/2023</a:t>
             </a:fld>
             <a:endParaRPr lang="es-ES" noProof="0" dirty="0"/>
           </a:p>
@@ -5231,8 +5023,8 @@
         </p:nvSpPr>
         <p:spPr>
           <a:xfrm>
-            <a:off x="173355" y="203201"/>
-            <a:ext cx="8793480" cy="5314949"/>
+            <a:off x="192617" y="203202"/>
+            <a:ext cx="9770533" cy="5314949"/>
           </a:xfrm>
           <a:prstGeom prst="rect">
             <a:avLst/>
@@ -5273,8 +5065,8 @@
         </p:nvSpPr>
         <p:spPr>
           <a:xfrm>
-            <a:off x="857250" y="508000"/>
-            <a:ext cx="7406640" cy="1130300"/>
+            <a:off x="952500" y="508000"/>
+            <a:ext cx="8229600" cy="1130300"/>
           </a:xfrm>
           <a:prstGeom prst="rect">
             <a:avLst/>
@@ -5306,8 +5098,8 @@
         </p:nvSpPr>
         <p:spPr>
           <a:xfrm>
-            <a:off x="857251" y="1714500"/>
-            <a:ext cx="7404653" cy="3365500"/>
+            <a:off x="952502" y="1714500"/>
+            <a:ext cx="8227392" cy="3365500"/>
           </a:xfrm>
           <a:prstGeom prst="rect">
             <a:avLst/>
@@ -5367,8 +5159,8 @@
         </p:nvSpPr>
         <p:spPr>
           <a:xfrm>
-            <a:off x="857247" y="5186524"/>
-            <a:ext cx="1746806" cy="304271"/>
+            <a:off x="952496" y="5186525"/>
+            <a:ext cx="1940896" cy="304271"/>
           </a:xfrm>
           <a:prstGeom prst="rect">
             <a:avLst/>
@@ -5389,7 +5181,7 @@
             <a:pPr rtl="0"/>
             <a:fld id="{FA6F2DB0-AA7B-40EF-A1F6-597D5286B151}" type="datetime1">
               <a:rPr lang="es-ES" noProof="0" smtClean="0"/>
-              <a:t>17/02/2021</a:t>
+              <a:t>20/05/2023</a:t>
             </a:fld>
             <a:endParaRPr lang="es-ES" noProof="0" dirty="0"/>
           </a:p>
@@ -5407,8 +5199,8 @@
         </p:nvSpPr>
         <p:spPr>
           <a:xfrm>
-            <a:off x="2961861" y="5186524"/>
-            <a:ext cx="3538331" cy="304271"/>
+            <a:off x="3290957" y="5186525"/>
+            <a:ext cx="3931479" cy="304271"/>
           </a:xfrm>
           <a:prstGeom prst="rect">
             <a:avLst/>
@@ -5443,8 +5235,8 @@
         </p:nvSpPr>
         <p:spPr>
           <a:xfrm>
-            <a:off x="6997148" y="5186524"/>
-            <a:ext cx="1279663" cy="304271"/>
+            <a:off x="7774609" y="5186525"/>
+            <a:ext cx="1421848" cy="304271"/>
           </a:xfrm>
           <a:prstGeom prst="rect">
             <a:avLst/>
@@ -5870,37 +5662,42 @@
             <p:ph type="ctrTitle"/>
           </p:nvPr>
         </p:nvSpPr>
-        <p:spPr/>
+        <p:spPr>
+          <a:xfrm>
+            <a:off x="924983" y="214604"/>
+            <a:ext cx="8305800" cy="2959109"/>
+          </a:xfrm>
+        </p:spPr>
         <p:txBody>
           <a:bodyPr rtlCol="0">
-            <a:normAutofit/>
+            <a:noAutofit/>
           </a:bodyPr>
           <a:lstStyle/>
           <a:p>
             <a:r>
-              <a:rPr lang="es-ES" dirty="0">
+              <a:rPr lang="es-ES" sz="6600" dirty="0">
                 <a:latin typeface="Rockwell" panose="02060603020205020403" pitchFamily="18" charset="0"/>
               </a:rPr>
               <a:t>Teología</a:t>
             </a:r>
             <a:br>
-              <a:rPr lang="es-ES" dirty="0">
+              <a:rPr lang="es-ES" sz="6600" dirty="0">
                 <a:latin typeface="Rockwell" panose="02060603020205020403" pitchFamily="18" charset="0"/>
               </a:rPr>
             </a:br>
             <a:r>
-              <a:rPr lang="es-ES" dirty="0">
+              <a:rPr lang="es-ES" sz="6600" dirty="0">
                 <a:latin typeface="Rockwell" panose="02060603020205020403" pitchFamily="18" charset="0"/>
               </a:rPr>
               <a:t>Bíblica Y</a:t>
             </a:r>
             <a:br>
-              <a:rPr lang="es-ES" dirty="0">
+              <a:rPr lang="es-ES" sz="6600" dirty="0">
                 <a:latin typeface="Rockwell" panose="02060603020205020403" pitchFamily="18" charset="0"/>
               </a:rPr>
             </a:br>
             <a:r>
-              <a:rPr lang="es-ES" dirty="0">
+              <a:rPr lang="es-ES" sz="6600" dirty="0">
                 <a:latin typeface="Rockwell" panose="02060603020205020403" pitchFamily="18" charset="0"/>
               </a:rPr>
               <a:t>Sistemática</a:t>
@@ -5924,13 +5721,20 @@
             <p:ph type="subTitle" idx="1"/>
           </p:nvPr>
         </p:nvSpPr>
-        <p:spPr/>
-        <p:txBody>
-          <a:bodyPr rtlCol="0"/>
+        <p:spPr>
+          <a:xfrm>
+            <a:off x="924983" y="3224696"/>
+            <a:ext cx="8305802" cy="1156804"/>
+          </a:xfrm>
+        </p:spPr>
+        <p:txBody>
+          <a:bodyPr rtlCol="0">
+            <a:normAutofit/>
+          </a:bodyPr>
           <a:lstStyle/>
           <a:p>
             <a:r>
-              <a:rPr lang="es-VE" dirty="0">
+              <a:rPr lang="es-VE" sz="2000" dirty="0">
                 <a:latin typeface="Tahoma" panose="020B0604030504040204" pitchFamily="34" charset="0"/>
                 <a:ea typeface="Tahoma" panose="020B0604030504040204" pitchFamily="34" charset="0"/>
                 <a:cs typeface="Tahoma" panose="020B0604030504040204" pitchFamily="34" charset="0"/>
@@ -5940,7 +5744,7 @@
           </a:p>
           <a:p>
             <a:r>
-              <a:rPr lang="es-ES" dirty="0">
+              <a:rPr lang="es-ES" sz="2000" dirty="0">
                 <a:latin typeface="Tahoma" panose="020B0604030504040204" pitchFamily="34" charset="0"/>
                 <a:ea typeface="Tahoma" panose="020B0604030504040204" pitchFamily="34" charset="0"/>
                 <a:cs typeface="Tahoma" panose="020B0604030504040204" pitchFamily="34" charset="0"/>
@@ -5998,695 +5802,7 @@
         </p:nvSpPr>
         <p:spPr>
           <a:xfrm>
-            <a:off x="399378" y="249668"/>
-            <a:ext cx="7864512" cy="1095038"/>
-          </a:xfrm>
-        </p:spPr>
-        <p:txBody>
-          <a:bodyPr rtlCol="0">
-            <a:normAutofit/>
-          </a:bodyPr>
-          <a:lstStyle/>
-          <a:p>
-            <a:r>
-              <a:rPr lang="es-VE" sz="3200" dirty="0">
-                <a:latin typeface="Rockwell" panose="02060603020205020403" pitchFamily="18" charset="0"/>
-              </a:rPr>
-              <a:t>3. LA CLASIFICACION DE LA DOCTRINA</a:t>
-            </a:r>
-            <a:endParaRPr lang="es-ES" sz="3200" dirty="0">
-              <a:latin typeface="Rockwell" panose="02060603020205020403" pitchFamily="18" charset="0"/>
-            </a:endParaRPr>
-          </a:p>
-        </p:txBody>
-      </p:sp>
-      <p:graphicFrame>
-        <p:nvGraphicFramePr>
-          <p:cNvPr id="4" name="Marcador de contenido 3">
-            <a:extLst>
-              <a:ext uri="{FF2B5EF4-FFF2-40B4-BE49-F238E27FC236}">
-                <a16:creationId xmlns:a16="http://schemas.microsoft.com/office/drawing/2014/main" id="{31F44B22-324B-4DE8-B32C-85312184904C}"/>
-              </a:ext>
-            </a:extLst>
-          </p:cNvPr>
-          <p:cNvGraphicFramePr>
-            <a:graphicFrameLocks noGrp="1"/>
-          </p:cNvGraphicFramePr>
-          <p:nvPr>
-            <p:ph idx="1"/>
-            <p:extLst>
-              <p:ext uri="{D42A27DB-BD31-4B8C-83A1-F6EECF244321}">
-                <p14:modId xmlns:p14="http://schemas.microsoft.com/office/powerpoint/2010/main" val="342225268"/>
-              </p:ext>
-            </p:extLst>
-          </p:nvPr>
-        </p:nvGraphicFramePr>
-        <p:xfrm>
-          <a:off x="399378" y="1344705"/>
-          <a:ext cx="8345244" cy="4011065"/>
-        </p:xfrm>
-        <a:graphic>
-          <a:graphicData uri="http://schemas.openxmlformats.org/drawingml/2006/table">
-            <a:tbl>
-              <a:tblPr firstRow="1" bandRow="1">
-                <a:tableStyleId>{5C22544A-7EE6-4342-B048-85BDC9FD1C3A}</a:tableStyleId>
-              </a:tblPr>
-              <a:tblGrid>
-                <a:gridCol w="8345244">
-                  <a:extLst>
-                    <a:ext uri="{9D8B030D-6E8A-4147-A177-3AD203B41FA5}">
-                      <a16:colId xmlns:a16="http://schemas.microsoft.com/office/drawing/2014/main" val="743422230"/>
-                    </a:ext>
-                  </a:extLst>
-                </a:gridCol>
-              </a:tblGrid>
-              <a:tr h="4011065">
-                <a:tc>
-                  <a:txBody>
-                    <a:bodyPr/>
-                    <a:lstStyle/>
-                    <a:p>
-                      <a:pPr rtl="0"/>
-                      <a:r>
-                        <a:rPr lang="es-VE" sz="3200" b="0" i="0" u="none" strike="noStrike" kern="1200" baseline="0" dirty="0">
-                          <a:solidFill>
-                            <a:schemeClr val="lt1"/>
-                          </a:solidFill>
-                          <a:latin typeface="+mn-lt"/>
-                          <a:ea typeface="+mn-ea"/>
-                          <a:cs typeface="+mn-cs"/>
-                        </a:rPr>
-                        <a:t>La </a:t>
-                      </a:r>
-                      <a:r>
-                        <a:rPr lang="es-VE" sz="3200" b="1" i="0" u="none" strike="noStrike" kern="1200" baseline="0" dirty="0">
-                          <a:solidFill>
-                            <a:schemeClr val="lt1"/>
-                          </a:solidFill>
-                          <a:latin typeface="+mn-lt"/>
-                          <a:ea typeface="+mn-ea"/>
-                          <a:cs typeface="+mn-cs"/>
-                        </a:rPr>
-                        <a:t>teología</a:t>
-                      </a:r>
-                      <a:r>
-                        <a:rPr lang="es-VE" sz="3200" b="0" i="0" u="none" strike="noStrike" kern="1200" baseline="0" dirty="0">
-                          <a:solidFill>
-                            <a:schemeClr val="lt1"/>
-                          </a:solidFill>
-                          <a:latin typeface="+mn-lt"/>
-                          <a:ea typeface="+mn-ea"/>
-                          <a:cs typeface="+mn-cs"/>
-                        </a:rPr>
-                        <a:t> se divide en </a:t>
-                      </a:r>
-                      <a:r>
-                        <a:rPr lang="es-VE" sz="3200" b="1" i="0" u="none" strike="noStrike" kern="1200" baseline="0" dirty="0">
-                          <a:solidFill>
-                            <a:schemeClr val="lt1"/>
-                          </a:solidFill>
-                          <a:latin typeface="+mn-lt"/>
-                          <a:ea typeface="+mn-ea"/>
-                          <a:cs typeface="+mn-cs"/>
-                        </a:rPr>
-                        <a:t>varios ramos</a:t>
-                      </a:r>
-                      <a:r>
-                        <a:rPr lang="es-VE" sz="3200" b="0" i="0" u="none" strike="noStrike" kern="1200" baseline="0" dirty="0">
-                          <a:solidFill>
-                            <a:schemeClr val="lt1"/>
-                          </a:solidFill>
-                          <a:latin typeface="+mn-lt"/>
-                          <a:ea typeface="+mn-ea"/>
-                          <a:cs typeface="+mn-cs"/>
-                        </a:rPr>
-                        <a:t>, a saber:</a:t>
-                      </a:r>
-                      <a:endParaRPr lang="es-VE" sz="3200" b="1" i="0" u="none" strike="noStrike" kern="1200" baseline="0" dirty="0">
-                        <a:solidFill>
-                          <a:schemeClr val="lt1"/>
-                        </a:solidFill>
-                        <a:latin typeface="+mn-lt"/>
-                        <a:ea typeface="+mn-ea"/>
-                        <a:cs typeface="+mn-cs"/>
-                      </a:endParaRPr>
-                    </a:p>
-                    <a:p>
-                      <a:pPr lvl="1" rtl="0"/>
-                      <a:endParaRPr lang="es-VE" sz="3200" b="1" i="0" u="none" strike="noStrike" kern="1200" baseline="0" dirty="0">
-                        <a:solidFill>
-                          <a:schemeClr val="lt1"/>
-                        </a:solidFill>
-                        <a:latin typeface="+mn-lt"/>
-                        <a:ea typeface="+mn-ea"/>
-                        <a:cs typeface="+mn-cs"/>
-                      </a:endParaRPr>
-                    </a:p>
-                    <a:p>
-                      <a:pPr lvl="1" rtl="0"/>
-                      <a:r>
-                        <a:rPr lang="es-VE" sz="3600" b="1" i="0" u="none" strike="noStrike" kern="1200" baseline="0" dirty="0">
-                          <a:solidFill>
-                            <a:schemeClr val="lt1"/>
-                          </a:solidFill>
-                          <a:latin typeface="+mn-lt"/>
-                          <a:ea typeface="+mn-ea"/>
-                          <a:cs typeface="+mn-cs"/>
-                        </a:rPr>
-                        <a:t>3.1. </a:t>
-                      </a:r>
-                      <a:r>
-                        <a:rPr lang="es-VE" sz="3600" b="1" i="1" u="none" strike="noStrike" kern="1200" baseline="0" dirty="0">
-                          <a:solidFill>
-                            <a:schemeClr val="lt1"/>
-                          </a:solidFill>
-                          <a:latin typeface="+mn-lt"/>
-                          <a:ea typeface="+mn-ea"/>
-                          <a:cs typeface="+mn-cs"/>
-                        </a:rPr>
-                        <a:t>Teología exegética</a:t>
-                      </a:r>
-                    </a:p>
-                    <a:p>
-                      <a:pPr lvl="1" rtl="0"/>
-                      <a:r>
-                        <a:rPr lang="es-VE" sz="3600" b="1" i="0" u="none" strike="noStrike" kern="1200" baseline="0" dirty="0">
-                          <a:solidFill>
-                            <a:schemeClr val="lt1"/>
-                          </a:solidFill>
-                          <a:latin typeface="+mn-lt"/>
-                          <a:ea typeface="+mn-ea"/>
-                          <a:cs typeface="+mn-cs"/>
-                        </a:rPr>
-                        <a:t>3.2. </a:t>
-                      </a:r>
-                      <a:r>
-                        <a:rPr lang="es-VE" sz="3600" b="1" i="1" u="none" strike="noStrike" kern="1200" baseline="0" dirty="0">
-                          <a:solidFill>
-                            <a:schemeClr val="lt1"/>
-                          </a:solidFill>
-                          <a:latin typeface="+mn-lt"/>
-                          <a:ea typeface="+mn-ea"/>
-                          <a:cs typeface="+mn-cs"/>
-                        </a:rPr>
-                        <a:t>Teología histórica</a:t>
-                      </a:r>
-                    </a:p>
-                    <a:p>
-                      <a:pPr lvl="1" rtl="0"/>
-                      <a:r>
-                        <a:rPr lang="es-VE" sz="3600" b="1" i="0" u="none" strike="noStrike" kern="1200" baseline="0" dirty="0">
-                          <a:solidFill>
-                            <a:schemeClr val="lt1"/>
-                          </a:solidFill>
-                          <a:latin typeface="+mn-lt"/>
-                          <a:ea typeface="+mn-ea"/>
-                          <a:cs typeface="+mn-cs"/>
-                        </a:rPr>
-                        <a:t>3.3. </a:t>
-                      </a:r>
-                      <a:r>
-                        <a:rPr lang="es-VE" sz="3600" b="1" i="1" u="none" strike="noStrike" kern="1200" baseline="0" dirty="0">
-                          <a:solidFill>
-                            <a:schemeClr val="lt1"/>
-                          </a:solidFill>
-                          <a:latin typeface="+mn-lt"/>
-                          <a:ea typeface="+mn-ea"/>
-                          <a:cs typeface="+mn-cs"/>
-                        </a:rPr>
-                        <a:t>Teología dogmática</a:t>
-                      </a:r>
-                    </a:p>
-                    <a:p>
-                      <a:pPr lvl="1" rtl="0"/>
-                      <a:r>
-                        <a:rPr lang="es-VE" sz="3600" b="1" i="0" u="none" strike="noStrike" kern="1200" baseline="0" dirty="0">
-                          <a:solidFill>
-                            <a:schemeClr val="lt1"/>
-                          </a:solidFill>
-                          <a:latin typeface="+mn-lt"/>
-                          <a:ea typeface="+mn-ea"/>
-                          <a:cs typeface="+mn-cs"/>
-                        </a:rPr>
-                        <a:t>3.4. </a:t>
-                      </a:r>
-                      <a:r>
-                        <a:rPr lang="es-VE" sz="3600" b="1" i="1" u="none" strike="noStrike" kern="1200" baseline="0" dirty="0">
-                          <a:solidFill>
-                            <a:schemeClr val="lt1"/>
-                          </a:solidFill>
-                          <a:latin typeface="+mn-lt"/>
-                          <a:ea typeface="+mn-ea"/>
-                          <a:cs typeface="+mn-cs"/>
-                        </a:rPr>
-                        <a:t>Teología bíblica</a:t>
-                      </a:r>
-                    </a:p>
-                    <a:p>
-                      <a:pPr lvl="1" rtl="0"/>
-                      <a:r>
-                        <a:rPr lang="es-VE" sz="3600" b="1" i="0" u="none" strike="noStrike" kern="1200" baseline="0" dirty="0">
-                          <a:solidFill>
-                            <a:schemeClr val="lt1"/>
-                          </a:solidFill>
-                          <a:latin typeface="+mn-lt"/>
-                          <a:ea typeface="+mn-ea"/>
-                          <a:cs typeface="+mn-cs"/>
-                        </a:rPr>
-                        <a:t>3.5. </a:t>
-                      </a:r>
-                      <a:r>
-                        <a:rPr lang="es-VE" sz="3600" b="1" i="1" u="none" strike="noStrike" kern="1200" baseline="0" dirty="0">
-                          <a:solidFill>
-                            <a:schemeClr val="lt1"/>
-                          </a:solidFill>
-                          <a:latin typeface="+mn-lt"/>
-                          <a:ea typeface="+mn-ea"/>
-                          <a:cs typeface="+mn-cs"/>
-                        </a:rPr>
-                        <a:t>Teología sistemática</a:t>
-                      </a:r>
-                    </a:p>
-                  </a:txBody>
-                  <a:tcPr marL="68580" marR="68580" marT="34290" marB="34290"/>
-                </a:tc>
-                <a:extLst>
-                  <a:ext uri="{0D108BD9-81ED-4DB2-BD59-A6C34878D82A}">
-                    <a16:rowId xmlns:a16="http://schemas.microsoft.com/office/drawing/2014/main" val="744739329"/>
-                  </a:ext>
-                </a:extLst>
-              </a:tr>
-            </a:tbl>
-          </a:graphicData>
-        </a:graphic>
-      </p:graphicFrame>
-      <p:pic>
-        <p:nvPicPr>
-          <p:cNvPr id="5" name="Gráfico 4" descr="Lápiz">
-            <a:extLst>
-              <a:ext uri="{FF2B5EF4-FFF2-40B4-BE49-F238E27FC236}">
-                <a16:creationId xmlns:a16="http://schemas.microsoft.com/office/drawing/2014/main" id="{0A74E1BB-B1CA-413B-8313-F68AA049A917}"/>
-              </a:ext>
-            </a:extLst>
-          </p:cNvPr>
-          <p:cNvPicPr>
-            <a:picLocks noChangeAspect="1"/>
-          </p:cNvPicPr>
-          <p:nvPr/>
-        </p:nvPicPr>
-        <p:blipFill>
-          <a:blip r:embed="rId3">
-            <a:extLst>
-              <a:ext uri="{96DAC541-7B7A-43D3-8B79-37D633B846F1}">
-                <asvg:svgBlip xmlns:asvg="http://schemas.microsoft.com/office/drawing/2016/SVG/main" r:embed="rId4"/>
-              </a:ext>
-            </a:extLst>
-          </a:blip>
-          <a:stretch>
-            <a:fillRect/>
-          </a:stretch>
-        </p:blipFill>
-        <p:spPr>
-          <a:xfrm>
-            <a:off x="8221307" y="565604"/>
-            <a:ext cx="523315" cy="523315"/>
-          </a:xfrm>
-          <a:prstGeom prst="rect">
-            <a:avLst/>
-          </a:prstGeom>
-        </p:spPr>
-      </p:pic>
-    </p:spTree>
-    <p:extLst>
-      <p:ext uri="{BB962C8B-B14F-4D97-AF65-F5344CB8AC3E}">
-        <p14:creationId xmlns:p14="http://schemas.microsoft.com/office/powerpoint/2010/main" val="2144008428"/>
-      </p:ext>
-    </p:extLst>
-  </p:cSld>
-  <p:clrMapOvr>
-    <a:masterClrMapping/>
-  </p:clrMapOvr>
-</p:sld>
-</file>
-
-<file path=ppt/slides/slide11.xml><?xml version="1.0" encoding="utf-8"?>
-<p:sld xmlns:a="http://schemas.openxmlformats.org/drawingml/2006/main" xmlns:r="http://schemas.openxmlformats.org/officeDocument/2006/relationships" xmlns:p="http://schemas.openxmlformats.org/presentationml/2006/main">
-  <p:cSld>
-    <p:spTree>
-      <p:nvGrpSpPr>
-        <p:cNvPr id="1" name=""/>
-        <p:cNvGrpSpPr/>
-        <p:nvPr/>
-      </p:nvGrpSpPr>
-      <p:grpSpPr>
-        <a:xfrm>
-          <a:off x="0" y="0"/>
-          <a:ext cx="0" cy="0"/>
-          <a:chOff x="0" y="0"/>
-          <a:chExt cx="0" cy="0"/>
-        </a:xfrm>
-      </p:grpSpPr>
-      <p:sp>
-        <p:nvSpPr>
-          <p:cNvPr id="2" name="Título 1">
-            <a:extLst>
-              <a:ext uri="{FF2B5EF4-FFF2-40B4-BE49-F238E27FC236}">
-                <a16:creationId xmlns:a16="http://schemas.microsoft.com/office/drawing/2014/main" id="{F2153DD3-C27C-457D-ADDD-066D01CB95CA}"/>
-              </a:ext>
-            </a:extLst>
-          </p:cNvPr>
-          <p:cNvSpPr>
-            <a:spLocks noGrp="1"/>
-          </p:cNvSpPr>
-          <p:nvPr>
-            <p:ph type="title"/>
-          </p:nvPr>
-        </p:nvSpPr>
-        <p:spPr>
-          <a:xfrm>
-            <a:off x="399378" y="249668"/>
-            <a:ext cx="7864512" cy="1095038"/>
-          </a:xfrm>
-        </p:spPr>
-        <p:txBody>
-          <a:bodyPr rtlCol="0">
-            <a:normAutofit/>
-          </a:bodyPr>
-          <a:lstStyle/>
-          <a:p>
-            <a:r>
-              <a:rPr lang="es-VE" sz="3200" dirty="0">
-                <a:latin typeface="Rockwell" panose="02060603020205020403" pitchFamily="18" charset="0"/>
-              </a:rPr>
-              <a:t>3. LA CLASIFICACION DE LA DOCTRINA</a:t>
-            </a:r>
-            <a:br>
-              <a:rPr lang="es-VE" sz="3200" dirty="0">
-                <a:latin typeface="Rockwell" panose="02060603020205020403" pitchFamily="18" charset="0"/>
-              </a:rPr>
-            </a:br>
-            <a:r>
-              <a:rPr lang="es-VE" sz="2800" dirty="0">
-                <a:latin typeface="Rockwell" panose="02060603020205020403" pitchFamily="18" charset="0"/>
-              </a:rPr>
-              <a:t>3.1. Teología exegética</a:t>
-            </a:r>
-            <a:endParaRPr lang="es-ES" sz="3200" dirty="0">
-              <a:latin typeface="Rockwell" panose="02060603020205020403" pitchFamily="18" charset="0"/>
-            </a:endParaRPr>
-          </a:p>
-        </p:txBody>
-      </p:sp>
-      <p:graphicFrame>
-        <p:nvGraphicFramePr>
-          <p:cNvPr id="4" name="Marcador de contenido 3">
-            <a:extLst>
-              <a:ext uri="{FF2B5EF4-FFF2-40B4-BE49-F238E27FC236}">
-                <a16:creationId xmlns:a16="http://schemas.microsoft.com/office/drawing/2014/main" id="{31F44B22-324B-4DE8-B32C-85312184904C}"/>
-              </a:ext>
-            </a:extLst>
-          </p:cNvPr>
-          <p:cNvGraphicFramePr>
-            <a:graphicFrameLocks noGrp="1"/>
-          </p:cNvGraphicFramePr>
-          <p:nvPr>
-            <p:ph idx="1"/>
-            <p:extLst>
-              <p:ext uri="{D42A27DB-BD31-4B8C-83A1-F6EECF244321}">
-                <p14:modId xmlns:p14="http://schemas.microsoft.com/office/powerpoint/2010/main" val="3462922414"/>
-              </p:ext>
-            </p:extLst>
-          </p:nvPr>
-        </p:nvGraphicFramePr>
-        <p:xfrm>
-          <a:off x="399378" y="1344705"/>
-          <a:ext cx="8345244" cy="4011065"/>
-        </p:xfrm>
-        <a:graphic>
-          <a:graphicData uri="http://schemas.openxmlformats.org/drawingml/2006/table">
-            <a:tbl>
-              <a:tblPr firstRow="1" bandRow="1">
-                <a:tableStyleId>{5C22544A-7EE6-4342-B048-85BDC9FD1C3A}</a:tableStyleId>
-              </a:tblPr>
-              <a:tblGrid>
-                <a:gridCol w="8345244">
-                  <a:extLst>
-                    <a:ext uri="{9D8B030D-6E8A-4147-A177-3AD203B41FA5}">
-                      <a16:colId xmlns:a16="http://schemas.microsoft.com/office/drawing/2014/main" val="743422230"/>
-                    </a:ext>
-                  </a:extLst>
-                </a:gridCol>
-              </a:tblGrid>
-              <a:tr h="4011065">
-                <a:tc>
-                  <a:txBody>
-                    <a:bodyPr/>
-                    <a:lstStyle/>
-                    <a:p>
-                      <a:pPr rtl="0"/>
-                      <a:r>
-                        <a:rPr lang="es-VE" sz="2800" b="1" i="0" u="none" strike="noStrike" kern="1200" baseline="0" dirty="0">
-                          <a:solidFill>
-                            <a:schemeClr val="lt1"/>
-                          </a:solidFill>
-                          <a:latin typeface="+mn-lt"/>
-                          <a:ea typeface="+mn-ea"/>
-                          <a:cs typeface="+mn-cs"/>
-                        </a:rPr>
-                        <a:t>Teología exegética </a:t>
-                      </a:r>
-                      <a:r>
-                        <a:rPr lang="es-VE" sz="2800" b="0" i="0" u="none" strike="noStrike" kern="1200" baseline="0" dirty="0">
-                          <a:solidFill>
-                            <a:schemeClr val="lt1"/>
-                          </a:solidFill>
-                          <a:latin typeface="+mn-lt"/>
-                          <a:ea typeface="+mn-ea"/>
-                          <a:cs typeface="+mn-cs"/>
-                        </a:rPr>
-                        <a:t>procura establecer el significado verdadero de las Escrituras.</a:t>
-                      </a:r>
-                    </a:p>
-                    <a:p>
-                      <a:pPr rtl="0"/>
-                      <a:endParaRPr lang="es-VE" sz="2800" b="0" i="0" u="none" strike="noStrike" kern="1200" baseline="0" dirty="0">
-                        <a:solidFill>
-                          <a:schemeClr val="lt1"/>
-                        </a:solidFill>
-                        <a:latin typeface="+mn-lt"/>
-                        <a:ea typeface="+mn-ea"/>
-                        <a:cs typeface="+mn-cs"/>
-                      </a:endParaRPr>
-                    </a:p>
-                    <a:p>
-                      <a:pPr rtl="0"/>
-                      <a:r>
-                        <a:rPr lang="es-VE" sz="2800" b="0" i="0" u="none" strike="noStrike" kern="1200" baseline="0" dirty="0">
-                          <a:solidFill>
-                            <a:schemeClr val="lt1"/>
-                          </a:solidFill>
-                          <a:latin typeface="+mn-lt"/>
-                          <a:ea typeface="+mn-ea"/>
-                          <a:cs typeface="+mn-cs"/>
-                        </a:rPr>
-                        <a:t>Exégesis o exegesis es una </a:t>
-                      </a:r>
-                      <a:r>
-                        <a:rPr lang="es-VE" sz="2800" b="0" i="0" u="none" strike="noStrike" kern="1200" baseline="0" dirty="0">
-                          <a:solidFill>
-                            <a:schemeClr val="lt1"/>
-                          </a:solidFill>
-                          <a:highlight>
-                            <a:srgbClr val="800080"/>
-                          </a:highlight>
-                          <a:latin typeface="+mn-lt"/>
-                          <a:ea typeface="+mn-ea"/>
-                          <a:cs typeface="+mn-cs"/>
-                        </a:rPr>
-                        <a:t>explicación o interpretación de un texto</a:t>
-                      </a:r>
-                      <a:r>
-                        <a:rPr lang="es-VE" sz="2800" b="0" i="0" u="none" strike="noStrike" kern="1200" baseline="0" dirty="0">
-                          <a:solidFill>
-                            <a:schemeClr val="lt1"/>
-                          </a:solidFill>
-                          <a:latin typeface="+mn-lt"/>
-                          <a:ea typeface="+mn-ea"/>
-                          <a:cs typeface="+mn-cs"/>
-                        </a:rPr>
-                        <a:t>, en especial de la Biblia.</a:t>
-                      </a:r>
-                    </a:p>
-                    <a:p>
-                      <a:pPr rtl="0"/>
-                      <a:endParaRPr lang="es-VE" sz="2800" b="0" i="0" u="none" strike="noStrike" kern="1200" baseline="0" dirty="0">
-                        <a:solidFill>
-                          <a:schemeClr val="lt1"/>
-                        </a:solidFill>
-                        <a:latin typeface="+mn-lt"/>
-                        <a:ea typeface="+mn-ea"/>
-                        <a:cs typeface="+mn-cs"/>
-                      </a:endParaRPr>
-                    </a:p>
-                    <a:p>
-                      <a:pPr rtl="0"/>
-                      <a:r>
-                        <a:rPr lang="es-VE" sz="2800" b="0" i="0" u="none" strike="noStrike" kern="1200" baseline="0" dirty="0">
-                          <a:solidFill>
-                            <a:schemeClr val="lt1"/>
-                          </a:solidFill>
-                          <a:latin typeface="+mn-lt"/>
-                          <a:ea typeface="+mn-ea"/>
-                          <a:cs typeface="+mn-cs"/>
-                        </a:rPr>
-                        <a:t>Este ramo de la teología requiere conocimientos de los </a:t>
-                      </a:r>
-                      <a:r>
-                        <a:rPr lang="es-VE" sz="2800" b="0" i="0" u="none" strike="noStrike" kern="1200" baseline="0" dirty="0">
-                          <a:solidFill>
-                            <a:schemeClr val="lt1"/>
-                          </a:solidFill>
-                          <a:highlight>
-                            <a:srgbClr val="808000"/>
-                          </a:highlight>
-                          <a:latin typeface="+mn-lt"/>
-                          <a:ea typeface="+mn-ea"/>
-                          <a:cs typeface="+mn-cs"/>
-                        </a:rPr>
-                        <a:t>idiomas originales</a:t>
-                      </a:r>
-                      <a:r>
-                        <a:rPr lang="es-VE" sz="2800" b="0" i="0" u="none" strike="noStrike" kern="1200" baseline="0" dirty="0">
-                          <a:solidFill>
-                            <a:schemeClr val="lt1"/>
-                          </a:solidFill>
-                          <a:latin typeface="+mn-lt"/>
-                          <a:ea typeface="+mn-ea"/>
-                          <a:cs typeface="+mn-cs"/>
-                        </a:rPr>
-                        <a:t> en los cuales fueron escritas las </a:t>
-                      </a:r>
-                      <a:r>
-                        <a:rPr lang="es-VE" sz="2800" b="1" i="0" u="none" strike="noStrike" kern="1200" baseline="0" dirty="0">
-                          <a:solidFill>
-                            <a:schemeClr val="lt1"/>
-                          </a:solidFill>
-                          <a:latin typeface="+mn-lt"/>
-                          <a:ea typeface="+mn-ea"/>
-                          <a:cs typeface="+mn-cs"/>
-                        </a:rPr>
-                        <a:t>Sagradas Escrituras</a:t>
-                      </a:r>
-                      <a:r>
-                        <a:rPr lang="es-VE" sz="2800" b="0" i="0" u="none" strike="noStrike" kern="1200" baseline="0" dirty="0">
-                          <a:solidFill>
-                            <a:schemeClr val="lt1"/>
-                          </a:solidFill>
-                          <a:latin typeface="+mn-lt"/>
-                          <a:ea typeface="+mn-ea"/>
-                          <a:cs typeface="+mn-cs"/>
-                        </a:rPr>
-                        <a:t>.</a:t>
-                      </a:r>
-                    </a:p>
-                  </a:txBody>
-                  <a:tcPr marL="68580" marR="68580" marT="34290" marB="34290"/>
-                </a:tc>
-                <a:extLst>
-                  <a:ext uri="{0D108BD9-81ED-4DB2-BD59-A6C34878D82A}">
-                    <a16:rowId xmlns:a16="http://schemas.microsoft.com/office/drawing/2014/main" val="744739329"/>
-                  </a:ext>
-                </a:extLst>
-              </a:tr>
-            </a:tbl>
-          </a:graphicData>
-        </a:graphic>
-      </p:graphicFrame>
-      <p:pic>
-        <p:nvPicPr>
-          <p:cNvPr id="5" name="Gráfico 4" descr="Lápiz">
-            <a:extLst>
-              <a:ext uri="{FF2B5EF4-FFF2-40B4-BE49-F238E27FC236}">
-                <a16:creationId xmlns:a16="http://schemas.microsoft.com/office/drawing/2014/main" id="{0A74E1BB-B1CA-413B-8313-F68AA049A917}"/>
-              </a:ext>
-            </a:extLst>
-          </p:cNvPr>
-          <p:cNvPicPr>
-            <a:picLocks noChangeAspect="1"/>
-          </p:cNvPicPr>
-          <p:nvPr/>
-        </p:nvPicPr>
-        <p:blipFill>
-          <a:blip r:embed="rId3">
-            <a:extLst>
-              <a:ext uri="{96DAC541-7B7A-43D3-8B79-37D633B846F1}">
-                <asvg:svgBlip xmlns:asvg="http://schemas.microsoft.com/office/drawing/2016/SVG/main" r:embed="rId4"/>
-              </a:ext>
-            </a:extLst>
-          </a:blip>
-          <a:stretch>
-            <a:fillRect/>
-          </a:stretch>
-        </p:blipFill>
-        <p:spPr>
-          <a:xfrm>
-            <a:off x="8221307" y="565604"/>
-            <a:ext cx="523315" cy="523315"/>
-          </a:xfrm>
-          <a:prstGeom prst="rect">
-            <a:avLst/>
-          </a:prstGeom>
-        </p:spPr>
-      </p:pic>
-    </p:spTree>
-    <p:extLst>
-      <p:ext uri="{BB962C8B-B14F-4D97-AF65-F5344CB8AC3E}">
-        <p14:creationId xmlns:p14="http://schemas.microsoft.com/office/powerpoint/2010/main" val="3461494345"/>
-      </p:ext>
-    </p:extLst>
-  </p:cSld>
-  <p:clrMapOvr>
-    <a:masterClrMapping/>
-  </p:clrMapOvr>
-</p:sld>
-</file>
-
-<file path=ppt/slides/slide12.xml><?xml version="1.0" encoding="utf-8"?>
-<p:sld xmlns:a="http://schemas.openxmlformats.org/drawingml/2006/main" xmlns:r="http://schemas.openxmlformats.org/officeDocument/2006/relationships" xmlns:p="http://schemas.openxmlformats.org/presentationml/2006/main">
-  <p:cSld>
-    <p:spTree>
-      <p:nvGrpSpPr>
-        <p:cNvPr id="1" name=""/>
-        <p:cNvGrpSpPr/>
-        <p:nvPr/>
-      </p:nvGrpSpPr>
-      <p:grpSpPr>
-        <a:xfrm>
-          <a:off x="0" y="0"/>
-          <a:ext cx="0" cy="0"/>
-          <a:chOff x="0" y="0"/>
-          <a:chExt cx="0" cy="0"/>
-        </a:xfrm>
-      </p:grpSpPr>
-      <p:sp>
-        <p:nvSpPr>
-          <p:cNvPr id="2" name="Título 1">
-            <a:extLst>
-              <a:ext uri="{FF2B5EF4-FFF2-40B4-BE49-F238E27FC236}">
-                <a16:creationId xmlns:a16="http://schemas.microsoft.com/office/drawing/2014/main" id="{F2153DD3-C27C-457D-ADDD-066D01CB95CA}"/>
-              </a:ext>
-            </a:extLst>
-          </p:cNvPr>
-          <p:cNvSpPr>
-            <a:spLocks noGrp="1"/>
-          </p:cNvSpPr>
-          <p:nvPr>
-            <p:ph type="title"/>
-          </p:nvPr>
-        </p:nvSpPr>
-        <p:spPr>
-          <a:xfrm>
-            <a:off x="399378" y="249667"/>
+            <a:off x="907378" y="249668"/>
             <a:ext cx="7864512" cy="1550103"/>
           </a:xfrm>
         </p:spPr>
@@ -6741,7 +5857,7 @@
           </p:nvPr>
         </p:nvGraphicFramePr>
         <p:xfrm>
-          <a:off x="399378" y="1799771"/>
+          <a:off x="907378" y="1799771"/>
           <a:ext cx="8345244" cy="3100934"/>
         </p:xfrm>
         <a:graphic>
@@ -6910,7 +6026,7 @@
         </p:blipFill>
         <p:spPr>
           <a:xfrm>
-            <a:off x="8221307" y="763060"/>
+            <a:off x="8729308" y="763061"/>
             <a:ext cx="523315" cy="523315"/>
           </a:xfrm>
           <a:prstGeom prst="rect">
@@ -6931,7 +6047,7 @@
 </p:sld>
 </file>
 
-<file path=ppt/slides/slide13.xml><?xml version="1.0" encoding="utf-8"?>
+<file path=ppt/slides/slide11.xml><?xml version="1.0" encoding="utf-8"?>
 <p:sld xmlns:a="http://schemas.openxmlformats.org/drawingml/2006/main" xmlns:r="http://schemas.openxmlformats.org/officeDocument/2006/relationships" xmlns:p="http://schemas.openxmlformats.org/presentationml/2006/main">
   <p:cSld>
     <p:spTree>
@@ -6966,7 +6082,7 @@
         </p:nvSpPr>
         <p:spPr>
           <a:xfrm>
-            <a:off x="399378" y="249668"/>
+            <a:off x="907378" y="249668"/>
             <a:ext cx="7864512" cy="1095038"/>
           </a:xfrm>
         </p:spPr>
@@ -7021,7 +6137,7 @@
           </p:nvPr>
         </p:nvGraphicFramePr>
         <p:xfrm>
-          <a:off x="399378" y="1344705"/>
+          <a:off x="907378" y="1344706"/>
           <a:ext cx="8345244" cy="4011065"/>
         </p:xfrm>
         <a:graphic>
@@ -7210,7 +6326,7 @@
         </p:blipFill>
         <p:spPr>
           <a:xfrm>
-            <a:off x="8221307" y="565604"/>
+            <a:off x="8729308" y="565605"/>
             <a:ext cx="523315" cy="523315"/>
           </a:xfrm>
           <a:prstGeom prst="rect">
@@ -7231,7 +6347,7 @@
 </p:sld>
 </file>
 
-<file path=ppt/slides/slide14.xml><?xml version="1.0" encoding="utf-8"?>
+<file path=ppt/slides/slide12.xml><?xml version="1.0" encoding="utf-8"?>
 <p:sld xmlns:a="http://schemas.openxmlformats.org/drawingml/2006/main" xmlns:r="http://schemas.openxmlformats.org/officeDocument/2006/relationships" xmlns:p="http://schemas.openxmlformats.org/presentationml/2006/main">
   <p:cSld>
     <p:spTree>
@@ -7266,7 +6382,7 @@
         </p:nvSpPr>
         <p:spPr>
           <a:xfrm>
-            <a:off x="399378" y="249668"/>
+            <a:off x="907378" y="249668"/>
             <a:ext cx="7864512" cy="1095038"/>
           </a:xfrm>
         </p:spPr>
@@ -7321,7 +6437,7 @@
           </p:nvPr>
         </p:nvGraphicFramePr>
         <p:xfrm>
-          <a:off x="399378" y="1344705"/>
+          <a:off x="907378" y="1344706"/>
           <a:ext cx="8345244" cy="4011065"/>
         </p:xfrm>
         <a:graphic>
@@ -7499,7 +6615,7 @@
         </p:blipFill>
         <p:spPr>
           <a:xfrm>
-            <a:off x="8221307" y="565604"/>
+            <a:off x="8729308" y="565605"/>
             <a:ext cx="523315" cy="523315"/>
           </a:xfrm>
           <a:prstGeom prst="rect">
@@ -7520,7 +6636,7 @@
 </p:sld>
 </file>
 
-<file path=ppt/slides/slide15.xml><?xml version="1.0" encoding="utf-8"?>
+<file path=ppt/slides/slide13.xml><?xml version="1.0" encoding="utf-8"?>
 <p:sld xmlns:a="http://schemas.openxmlformats.org/drawingml/2006/main" xmlns:r="http://schemas.openxmlformats.org/officeDocument/2006/relationships" xmlns:p="http://schemas.openxmlformats.org/presentationml/2006/main">
   <p:cSld>
     <p:spTree>
@@ -7555,7 +6671,7 @@
         </p:nvSpPr>
         <p:spPr>
           <a:xfrm>
-            <a:off x="399378" y="249667"/>
+            <a:off x="907378" y="249668"/>
             <a:ext cx="7864512" cy="1410975"/>
           </a:xfrm>
         </p:spPr>
@@ -7610,7 +6726,7 @@
           </p:nvPr>
         </p:nvGraphicFramePr>
         <p:xfrm>
-          <a:off x="399378" y="1660643"/>
+          <a:off x="907378" y="1660643"/>
           <a:ext cx="8345244" cy="3379190"/>
         </p:xfrm>
         <a:graphic>
@@ -7763,7 +6879,7 @@
         </p:blipFill>
         <p:spPr>
           <a:xfrm>
-            <a:off x="8221307" y="693496"/>
+            <a:off x="8729308" y="693497"/>
             <a:ext cx="523315" cy="523315"/>
           </a:xfrm>
           <a:prstGeom prst="rect">
@@ -7784,7 +6900,7 @@
 </p:sld>
 </file>
 
-<file path=ppt/slides/slide16.xml><?xml version="1.0" encoding="utf-8"?>
+<file path=ppt/slides/slide14.xml><?xml version="1.0" encoding="utf-8"?>
 <p:sld xmlns:a="http://schemas.openxmlformats.org/drawingml/2006/main" xmlns:r="http://schemas.openxmlformats.org/officeDocument/2006/relationships" xmlns:p="http://schemas.openxmlformats.org/presentationml/2006/main">
   <p:cSld>
     <p:spTree>
@@ -7819,7 +6935,7 @@
         </p:nvSpPr>
         <p:spPr>
           <a:xfrm>
-            <a:off x="399378" y="249668"/>
+            <a:off x="907378" y="249668"/>
             <a:ext cx="7864512" cy="1143704"/>
           </a:xfrm>
         </p:spPr>
@@ -7874,7 +6990,7 @@
           </p:nvPr>
         </p:nvGraphicFramePr>
         <p:xfrm>
-          <a:off x="399378" y="1393372"/>
+          <a:off x="907378" y="1393372"/>
           <a:ext cx="8345244" cy="3993450"/>
         </p:xfrm>
         <a:graphic>
@@ -8127,7 +7243,7 @@
         </p:blipFill>
         <p:spPr>
           <a:xfrm>
-            <a:off x="8221307" y="693496"/>
+            <a:off x="8729308" y="693497"/>
             <a:ext cx="523315" cy="523315"/>
           </a:xfrm>
           <a:prstGeom prst="rect">
@@ -8148,7 +7264,7 @@
 </p:sld>
 </file>
 
-<file path=ppt/slides/slide17.xml><?xml version="1.0" encoding="utf-8"?>
+<file path=ppt/slides/slide15.xml><?xml version="1.0" encoding="utf-8"?>
 <p:sld xmlns:a="http://schemas.openxmlformats.org/drawingml/2006/main" xmlns:r="http://schemas.openxmlformats.org/officeDocument/2006/relationships" xmlns:p="http://schemas.openxmlformats.org/presentationml/2006/main">
   <p:cSld>
     <p:spTree>
@@ -8183,7 +7299,7 @@
         </p:nvSpPr>
         <p:spPr>
           <a:xfrm>
-            <a:off x="399378" y="249668"/>
+            <a:off x="907378" y="249669"/>
             <a:ext cx="7864512" cy="635703"/>
           </a:xfrm>
         </p:spPr>
@@ -8227,7 +7343,7 @@
           </p:nvPr>
         </p:nvGraphicFramePr>
         <p:xfrm>
-          <a:off x="399378" y="941564"/>
+          <a:off x="907378" y="941564"/>
           <a:ext cx="8345244" cy="4445258"/>
         </p:xfrm>
         <a:graphic>
@@ -8372,7 +7488,7 @@
         </p:blipFill>
         <p:spPr>
           <a:xfrm>
-            <a:off x="8221307" y="305861"/>
+            <a:off x="8729308" y="305862"/>
             <a:ext cx="523315" cy="523315"/>
           </a:xfrm>
           <a:prstGeom prst="rect">
@@ -8393,7 +7509,7 @@
 </p:sld>
 </file>
 
-<file path=ppt/slides/slide18.xml><?xml version="1.0" encoding="utf-8"?>
+<file path=ppt/slides/slide16.xml><?xml version="1.0" encoding="utf-8"?>
 <p:sld xmlns:a="http://schemas.openxmlformats.org/drawingml/2006/main" xmlns:r="http://schemas.openxmlformats.org/officeDocument/2006/relationships" xmlns:p="http://schemas.openxmlformats.org/presentationml/2006/main">
   <p:cSld>
     <p:spTree>
@@ -8428,7 +7544,7 @@
         </p:nvSpPr>
         <p:spPr>
           <a:xfrm>
-            <a:off x="399378" y="249669"/>
+            <a:off x="907378" y="249669"/>
             <a:ext cx="7864512" cy="1085646"/>
           </a:xfrm>
         </p:spPr>
@@ -8483,7 +7599,7 @@
           </p:nvPr>
         </p:nvGraphicFramePr>
         <p:xfrm>
-          <a:off x="399378" y="1335314"/>
+          <a:off x="907378" y="1335315"/>
           <a:ext cx="8345244" cy="4051507"/>
         </p:xfrm>
         <a:graphic>
@@ -8715,7 +7831,7 @@
         </p:blipFill>
         <p:spPr>
           <a:xfrm>
-            <a:off x="8221307" y="530834"/>
+            <a:off x="8729308" y="530835"/>
             <a:ext cx="523315" cy="523315"/>
           </a:xfrm>
           <a:prstGeom prst="rect">
@@ -8771,12 +7887,14 @@
         </p:nvSpPr>
         <p:spPr>
           <a:xfrm>
-            <a:off x="855108" y="459105"/>
-            <a:ext cx="7406640" cy="1017270"/>
+            <a:off x="615632" y="459105"/>
+            <a:ext cx="8901592" cy="1017270"/>
           </a:xfrm>
         </p:spPr>
         <p:txBody>
-          <a:bodyPr rtlCol="0"/>
+          <a:bodyPr rtlCol="0">
+            <a:normAutofit/>
+          </a:bodyPr>
           <a:lstStyle/>
           <a:p>
             <a:r>
@@ -8802,14 +7920,14 @@
             <p:ph idx="1"/>
             <p:extLst>
               <p:ext uri="{D42A27DB-BD31-4B8C-83A1-F6EECF244321}">
-                <p14:modId xmlns:p14="http://schemas.microsoft.com/office/powerpoint/2010/main" val="235461743"/>
+                <p14:modId xmlns:p14="http://schemas.microsoft.com/office/powerpoint/2010/main" val="209637075"/>
               </p:ext>
             </p:extLst>
           </p:nvPr>
         </p:nvGraphicFramePr>
         <p:xfrm>
-          <a:off x="855108" y="1476375"/>
-          <a:ext cx="7406640" cy="3683143"/>
+          <a:off x="629204" y="1423746"/>
+          <a:ext cx="8901592" cy="3832149"/>
         </p:xfrm>
         <a:graphic>
           <a:graphicData uri="http://schemas.openxmlformats.org/drawingml/2006/table">
@@ -8818,7 +7936,7 @@
                 <a:tableStyleId>{5C22544A-7EE6-4342-B048-85BDC9FD1C3A}</a:tableStyleId>
               </a:tblPr>
               <a:tblGrid>
-                <a:gridCol w="7406640">
+                <a:gridCol w="8901592">
                   <a:extLst>
                     <a:ext uri="{9D8B030D-6E8A-4147-A177-3AD203B41FA5}">
                       <a16:colId xmlns:a16="http://schemas.microsoft.com/office/drawing/2014/main" val="743422230"/>
@@ -8826,7 +7944,7 @@
                   </a:extLst>
                 </a:gridCol>
               </a:tblGrid>
-              <a:tr h="594820">
+              <a:tr h="518870">
                 <a:tc>
                   <a:txBody>
                     <a:bodyPr/>
@@ -8870,7 +7988,7 @@
                   </a:ext>
                 </a:extLst>
               </a:tr>
-              <a:tr h="3078480">
+              <a:tr h="3260649">
                 <a:tc>
                   <a:txBody>
                     <a:bodyPr/>
@@ -8884,7 +8002,7 @@
                         <a:buAutoNum type="arabicPeriod"/>
                       </a:pPr>
                       <a:r>
-                        <a:rPr lang="es-VE" sz="3000" b="0" i="0" u="none" strike="noStrike" kern="1200" baseline="0" dirty="0">
+                        <a:rPr lang="es-VE" sz="3300" b="0" i="0" u="none" strike="noStrike" kern="1200" baseline="0" dirty="0">
                           <a:solidFill>
                             <a:schemeClr val="accent1"/>
                           </a:solidFill>
@@ -8892,7 +8010,7 @@
                           <a:ea typeface="+mn-ea"/>
                           <a:cs typeface="+mn-cs"/>
                         </a:rPr>
-                        <a:t>La naturaleza de la doctrina</a:t>
+                        <a:t>Origen de la doctrina</a:t>
                       </a:r>
                     </a:p>
                     <a:p>
@@ -8904,7 +8022,7 @@
                         <a:buAutoNum type="arabicPeriod"/>
                       </a:pPr>
                       <a:r>
-                        <a:rPr lang="es-VE" sz="3000" b="0" i="0" u="none" strike="noStrike" kern="1200" baseline="0" dirty="0">
+                        <a:rPr lang="es-VE" sz="3300" b="0" i="0" u="none" strike="noStrike" kern="1200" baseline="0" dirty="0">
                           <a:solidFill>
                             <a:schemeClr val="accent1"/>
                           </a:solidFill>
@@ -8912,7 +8030,7 @@
                           <a:ea typeface="+mn-ea"/>
                           <a:cs typeface="+mn-cs"/>
                         </a:rPr>
-                        <a:t>El valor de la doctrina</a:t>
+                        <a:t>Importancia de la doctrina</a:t>
                       </a:r>
                     </a:p>
                     <a:p>
@@ -8924,7 +8042,7 @@
                         <a:buAutoNum type="arabicPeriod"/>
                       </a:pPr>
                       <a:r>
-                        <a:rPr lang="es-VE" sz="3000" b="0" i="0" u="none" strike="noStrike" kern="1200" baseline="0" dirty="0">
+                        <a:rPr lang="es-VE" sz="3300" b="0" i="0" u="none" strike="noStrike" kern="1200" baseline="0" dirty="0">
                           <a:solidFill>
                             <a:schemeClr val="accent1"/>
                           </a:solidFill>
@@ -8944,7 +8062,7 @@
                         <a:buAutoNum type="arabicPeriod"/>
                       </a:pPr>
                       <a:r>
-                        <a:rPr lang="es-VE" sz="3000" b="0" i="0" u="none" strike="noStrike" kern="1200" baseline="0" dirty="0">
+                        <a:rPr lang="es-VE" sz="3300" b="0" i="0" u="none" strike="noStrike" kern="1200" baseline="0" dirty="0">
                           <a:solidFill>
                             <a:schemeClr val="accent1"/>
                           </a:solidFill>
@@ -8954,45 +8072,6 @@
                         </a:rPr>
                         <a:t>Un sistema de doctrina</a:t>
                       </a:r>
-                      <a:endParaRPr lang="es-VE" sz="3000" b="0" i="0" u="none" strike="noStrike" kern="1200" baseline="0" dirty="0">
-                        <a:solidFill>
-                          <a:schemeClr val="accent1"/>
-                        </a:solidFill>
-                        <a:latin typeface="+mn-lt"/>
-                        <a:ea typeface="+mn-ea"/>
-                        <a:cs typeface="+mn-cs"/>
-                        <a:hlinkClick r:id="rId3">
-                          <a:extLst>
-                            <a:ext uri="{A12FA001-AC4F-418D-AE19-62706E023703}">
-                              <ahyp:hlinkClr xmlns:ahyp="http://schemas.microsoft.com/office/drawing/2018/hyperlinkcolor" val="tx"/>
-                            </a:ext>
-                          </a:extLst>
-                        </a:hlinkClick>
-                      </a:endParaRPr>
-                    </a:p>
-                    <a:p>
-                      <a:pPr marL="0" marR="0" lvl="0" indent="0" algn="l" defTabSz="914400" rtl="0" eaLnBrk="1" fontAlgn="auto" latinLnBrk="0" hangingPunct="1">
-                        <a:lnSpc>
-                          <a:spcPct val="150000"/>
-                        </a:lnSpc>
-                        <a:spcBef>
-                          <a:spcPts val="0"/>
-                        </a:spcBef>
-                        <a:spcAft>
-                          <a:spcPts val="0"/>
-                        </a:spcAft>
-                        <a:buClrTx/>
-                        <a:buSzTx/>
-                        <a:buFont typeface="Wingdings" panose="05000000000000000000" pitchFamily="2" charset="2"/>
-                        <a:buNone/>
-                        <a:tabLst/>
-                        <a:defRPr/>
-                      </a:pPr>
-                      <a:endParaRPr lang="es" sz="1400" dirty="0">
-                        <a:latin typeface="Tahoma" panose="020B0604030504040204" pitchFamily="34" charset="0"/>
-                        <a:ea typeface="Tahoma" panose="020B0604030504040204" pitchFamily="34" charset="0"/>
-                        <a:cs typeface="Tahoma" panose="020B0604030504040204" pitchFamily="34" charset="0"/>
-                      </a:endParaRPr>
                     </a:p>
                   </a:txBody>
                   <a:tcPr marL="68580" marR="68580" marT="34290" marB="34290"/>
@@ -9055,8 +8134,8 @@
         </p:nvSpPr>
         <p:spPr>
           <a:xfrm>
-            <a:off x="399378" y="220170"/>
-            <a:ext cx="8345244" cy="863486"/>
+            <a:off x="1001276" y="651913"/>
+            <a:ext cx="8146018" cy="863486"/>
           </a:xfrm>
         </p:spPr>
         <p:txBody>
@@ -9069,7 +8148,18 @@
               <a:rPr lang="es-VE" dirty="0">
                 <a:latin typeface="Rockwell" panose="02060603020205020403" pitchFamily="18" charset="0"/>
               </a:rPr>
-              <a:t>1. LA NATURALEZA DE LA DOCTRINA</a:t>
+              <a:t>1. ORIGEN DE LA DOCTRINA</a:t>
+            </a:r>
+            <a:br>
+              <a:rPr lang="es-VE" dirty="0">
+                <a:latin typeface="Rockwell" panose="02060603020205020403" pitchFamily="18" charset="0"/>
+              </a:rPr>
+            </a:br>
+            <a:r>
+              <a:rPr lang="es-ES" sz="2000" dirty="0">
+                <a:latin typeface="Rockwell" panose="02060603020205020403" pitchFamily="18" charset="0"/>
+              </a:rPr>
+              <a:t>1.1. Doctrina Cristiana</a:t>
             </a:r>
             <a:endParaRPr lang="es-ES" dirty="0">
               <a:latin typeface="Rockwell" panose="02060603020205020403" pitchFamily="18" charset="0"/>
@@ -9093,14 +8183,14 @@
             <p:ph idx="1"/>
             <p:extLst>
               <p:ext uri="{D42A27DB-BD31-4B8C-83A1-F6EECF244321}">
-                <p14:modId xmlns:p14="http://schemas.microsoft.com/office/powerpoint/2010/main" val="1518247147"/>
+                <p14:modId xmlns:p14="http://schemas.microsoft.com/office/powerpoint/2010/main" val="1104048002"/>
               </p:ext>
             </p:extLst>
           </p:nvPr>
         </p:nvGraphicFramePr>
         <p:xfrm>
-          <a:off x="376518" y="1083656"/>
-          <a:ext cx="8368104" cy="4241088"/>
+          <a:off x="1001276" y="1845452"/>
+          <a:ext cx="8157448" cy="3083736"/>
         </p:xfrm>
         <a:graphic>
           <a:graphicData uri="http://schemas.openxmlformats.org/drawingml/2006/table">
@@ -9109,7 +8199,7 @@
                 <a:tableStyleId>{5C22544A-7EE6-4342-B048-85BDC9FD1C3A}</a:tableStyleId>
               </a:tblPr>
               <a:tblGrid>
-                <a:gridCol w="8368104">
+                <a:gridCol w="8157448">
                   <a:extLst>
                     <a:ext uri="{9D8B030D-6E8A-4147-A177-3AD203B41FA5}">
                       <a16:colId xmlns:a16="http://schemas.microsoft.com/office/drawing/2014/main" val="743422230"/>
@@ -9117,13 +8207,13 @@
                   </a:extLst>
                 </a:gridCol>
               </a:tblGrid>
-              <a:tr h="4241088">
+              <a:tr h="3083736">
                 <a:tc>
                   <a:txBody>
                     <a:bodyPr/>
                     <a:lstStyle/>
                     <a:p>
-                      <a:pPr marL="0" marR="0" lvl="0" indent="0" algn="l" defTabSz="914400" rtl="0" eaLnBrk="1" fontAlgn="auto" latinLnBrk="0" hangingPunct="1">
+                      <a:pPr marL="0" marR="0" lvl="0" indent="0" algn="ctr" defTabSz="914400" rtl="0" eaLnBrk="1" fontAlgn="auto" latinLnBrk="0" hangingPunct="1">
                         <a:lnSpc>
                           <a:spcPct val="100000"/>
                         </a:lnSpc>
@@ -9141,237 +8231,15 @@
                         <a:defRPr/>
                       </a:pPr>
                       <a:r>
-                        <a:rPr lang="es-VE" sz="2400" b="0" i="0" u="none" strike="noStrike" kern="1200" baseline="0" dirty="0">
-                          <a:solidFill>
-                            <a:schemeClr val="lt1"/>
-                          </a:solidFill>
-                          <a:latin typeface="+mn-lt"/>
-                          <a:ea typeface="+mn-ea"/>
-                          <a:cs typeface="+mn-cs"/>
-                        </a:rPr>
-                        <a:t>La doctrina cristiana </a:t>
-                      </a:r>
-                      <a:r>
-                        <a:rPr lang="es-VE" sz="2400" b="0" i="0" u="none" strike="noStrike" kern="1200" baseline="0" dirty="0">
-                          <a:solidFill>
-                            <a:schemeClr val="lt1"/>
-                          </a:solidFill>
-                          <a:highlight>
-                            <a:srgbClr val="008000"/>
-                          </a:highlight>
-                          <a:latin typeface="+mn-lt"/>
-                          <a:ea typeface="+mn-ea"/>
-                          <a:cs typeface="+mn-cs"/>
-                        </a:rPr>
-                        <a:t>(doctrina significa literalmente enseñanza o instrucción)</a:t>
-                      </a:r>
-                      <a:r>
-                        <a:rPr lang="es-VE" sz="2400" b="0" i="0" u="none" strike="noStrike" kern="1200" baseline="0" dirty="0">
-                          <a:solidFill>
-                            <a:schemeClr val="lt1"/>
-                          </a:solidFill>
-                          <a:latin typeface="+mn-lt"/>
-                          <a:ea typeface="+mn-ea"/>
-                          <a:cs typeface="+mn-cs"/>
-                        </a:rPr>
-                        <a:t> se puede definir como las verdades fundamentales de las </a:t>
-                      </a:r>
-                      <a:r>
-                        <a:rPr lang="es-VE" sz="2400" b="1" i="0" u="none" strike="noStrike" kern="1200" baseline="0" dirty="0">
-                          <a:solidFill>
-                            <a:schemeClr val="lt1"/>
-                          </a:solidFill>
-                          <a:latin typeface="+mn-lt"/>
-                          <a:ea typeface="+mn-ea"/>
-                          <a:cs typeface="+mn-cs"/>
-                        </a:rPr>
-                        <a:t>Sagradas Escrituras </a:t>
-                      </a:r>
-                      <a:r>
-                        <a:rPr lang="es-VE" sz="2400" b="0" i="0" u="none" strike="noStrike" kern="1200" baseline="0" dirty="0">
-                          <a:solidFill>
-                            <a:schemeClr val="lt1"/>
-                          </a:solidFill>
-                          <a:latin typeface="+mn-lt"/>
-                          <a:ea typeface="+mn-ea"/>
-                          <a:cs typeface="+mn-cs"/>
-                        </a:rPr>
-                        <a:t>ordenadas en forma sistemática.</a:t>
-                      </a:r>
-                    </a:p>
-                    <a:p>
-                      <a:pPr marL="0" marR="0" lvl="0" indent="0" algn="l" defTabSz="914400" rtl="0" eaLnBrk="1" fontAlgn="auto" latinLnBrk="0" hangingPunct="1">
-                        <a:lnSpc>
-                          <a:spcPct val="100000"/>
-                        </a:lnSpc>
-                        <a:spcBef>
-                          <a:spcPts val="0"/>
-                        </a:spcBef>
-                        <a:spcAft>
-                          <a:spcPts val="0"/>
-                        </a:spcAft>
-                        <a:buClrTx/>
-                        <a:buSzTx/>
-                        <a:buFont typeface="Wingdings" panose="05000000000000000000" pitchFamily="2" charset="2"/>
-                        <a:buNone/>
-                        <a:tabLst/>
-                        <a:defRPr/>
-                      </a:pPr>
-                      <a:endParaRPr lang="es-VE" sz="2400" b="0" i="0" u="none" strike="noStrike" kern="1200" baseline="0" dirty="0">
-                        <a:solidFill>
-                          <a:schemeClr val="lt1"/>
-                        </a:solidFill>
-                        <a:latin typeface="+mn-lt"/>
-                        <a:ea typeface="+mn-ea"/>
-                        <a:cs typeface="+mn-cs"/>
-                      </a:endParaRPr>
-                    </a:p>
-                    <a:p>
-                      <a:pPr marL="0" marR="0" lvl="0" indent="0" algn="l" defTabSz="914400" rtl="0" eaLnBrk="1" fontAlgn="auto" latinLnBrk="0" hangingPunct="1">
-                        <a:lnSpc>
-                          <a:spcPct val="100000"/>
-                        </a:lnSpc>
-                        <a:spcBef>
-                          <a:spcPts val="0"/>
-                        </a:spcBef>
-                        <a:spcAft>
-                          <a:spcPts val="0"/>
-                        </a:spcAft>
-                        <a:buClrTx/>
-                        <a:buSzTx/>
-                        <a:buFont typeface="Wingdings" panose="05000000000000000000" pitchFamily="2" charset="2"/>
-                        <a:buNone/>
-                        <a:tabLst/>
-                        <a:defRPr/>
-                      </a:pPr>
-                      <a:r>
-                        <a:rPr lang="es-VE" sz="2400" b="0" i="0" u="none" strike="noStrike" kern="1200" baseline="0" dirty="0">
-                          <a:solidFill>
-                            <a:schemeClr val="lt1"/>
-                          </a:solidFill>
-                          <a:latin typeface="+mn-lt"/>
-                          <a:ea typeface="+mn-ea"/>
-                          <a:cs typeface="+mn-cs"/>
-                        </a:rPr>
-                        <a:t>Este estudio se denomina comúnmente teología, que significa literalmente </a:t>
-                      </a:r>
-                      <a:r>
-                        <a:rPr lang="es-VE" sz="2400" b="0" i="0" u="none" strike="noStrike" kern="1200" baseline="0" dirty="0">
-                          <a:solidFill>
-                            <a:schemeClr val="lt1"/>
-                          </a:solidFill>
-                          <a:highlight>
-                            <a:srgbClr val="808000"/>
-                          </a:highlight>
-                          <a:latin typeface="+mn-lt"/>
-                          <a:ea typeface="+mn-ea"/>
-                          <a:cs typeface="+mn-cs"/>
-                        </a:rPr>
-                        <a:t>“tratado o discurso razonado con respecto a Dios”</a:t>
-                      </a:r>
-                      <a:r>
-                        <a:rPr lang="es-VE" sz="2400" b="0" i="0" u="none" strike="noStrike" kern="1200" baseline="0" dirty="0">
-                          <a:solidFill>
-                            <a:schemeClr val="lt1"/>
-                          </a:solidFill>
-                          <a:latin typeface="+mn-lt"/>
-                          <a:ea typeface="+mn-ea"/>
-                          <a:cs typeface="+mn-cs"/>
-                        </a:rPr>
-                        <a:t>.</a:t>
-                      </a:r>
-                    </a:p>
-                    <a:p>
-                      <a:pPr marL="0" marR="0" lvl="0" indent="0" algn="l" defTabSz="914400" rtl="0" eaLnBrk="1" fontAlgn="auto" latinLnBrk="0" hangingPunct="1">
-                        <a:lnSpc>
-                          <a:spcPct val="100000"/>
-                        </a:lnSpc>
-                        <a:spcBef>
-                          <a:spcPts val="0"/>
-                        </a:spcBef>
-                        <a:spcAft>
-                          <a:spcPts val="0"/>
-                        </a:spcAft>
-                        <a:buClrTx/>
-                        <a:buSzTx/>
-                        <a:buFont typeface="Wingdings" panose="05000000000000000000" pitchFamily="2" charset="2"/>
-                        <a:buNone/>
-                        <a:tabLst/>
-                        <a:defRPr/>
-                      </a:pPr>
-                      <a:endParaRPr lang="es-VE" sz="2400" b="0" i="0" u="none" strike="noStrike" kern="1200" baseline="0" dirty="0">
-                        <a:solidFill>
-                          <a:schemeClr val="lt1"/>
-                        </a:solidFill>
-                        <a:latin typeface="+mn-lt"/>
-                        <a:ea typeface="+mn-ea"/>
-                        <a:cs typeface="+mn-cs"/>
-                      </a:endParaRPr>
-                    </a:p>
-                    <a:p>
-                      <a:pPr marL="0" marR="0" lvl="0" indent="0" algn="l" defTabSz="914400" rtl="0" eaLnBrk="1" fontAlgn="auto" latinLnBrk="0" hangingPunct="1">
-                        <a:lnSpc>
-                          <a:spcPct val="100000"/>
-                        </a:lnSpc>
-                        <a:spcBef>
-                          <a:spcPts val="0"/>
-                        </a:spcBef>
-                        <a:spcAft>
-                          <a:spcPts val="0"/>
-                        </a:spcAft>
-                        <a:buClrTx/>
-                        <a:buSzTx/>
-                        <a:buFont typeface="Wingdings" panose="05000000000000000000" pitchFamily="2" charset="2"/>
-                        <a:buNone/>
-                        <a:tabLst/>
-                        <a:defRPr/>
-                      </a:pPr>
-                      <a:r>
-                        <a:rPr lang="es-VE" sz="2400" b="1" i="0" u="none" strike="noStrike" kern="1200" baseline="0" dirty="0">
-                          <a:solidFill>
-                            <a:schemeClr val="lt1"/>
-                          </a:solidFill>
-                          <a:latin typeface="+mn-lt"/>
-                          <a:ea typeface="+mn-ea"/>
-                          <a:cs typeface="+mn-cs"/>
-                        </a:rPr>
-                        <a:t>La teología o doctrina </a:t>
-                      </a:r>
-                      <a:r>
-                        <a:rPr lang="es-VE" sz="2400" b="0" i="0" u="none" strike="noStrike" kern="1200" baseline="0" dirty="0">
-                          <a:solidFill>
-                            <a:schemeClr val="lt1"/>
-                          </a:solidFill>
-                          <a:latin typeface="+mn-lt"/>
-                          <a:ea typeface="+mn-ea"/>
-                          <a:cs typeface="+mn-cs"/>
-                        </a:rPr>
-                        <a:t>se puede describir como la ciencia que trata de nuestro </a:t>
-                      </a:r>
-                      <a:r>
-                        <a:rPr lang="es-VE" sz="2400" b="0" i="0" u="none" strike="noStrike" kern="1200" baseline="0" dirty="0">
-                          <a:solidFill>
-                            <a:schemeClr val="lt1"/>
-                          </a:solidFill>
-                          <a:highlight>
-                            <a:srgbClr val="800080"/>
-                          </a:highlight>
-                          <a:latin typeface="+mn-lt"/>
-                          <a:ea typeface="+mn-ea"/>
-                          <a:cs typeface="+mn-cs"/>
-                        </a:rPr>
-                        <a:t>conocimiento de Dios y de las relaciones del Creador con el hombre</a:t>
-                      </a:r>
-                      <a:r>
-                        <a:rPr lang="es-VE" sz="2400" b="0" i="0" u="none" strike="noStrike" kern="1200" baseline="0" dirty="0">
-                          <a:solidFill>
-                            <a:schemeClr val="lt1"/>
-                          </a:solidFill>
-                          <a:latin typeface="+mn-lt"/>
-                          <a:ea typeface="+mn-ea"/>
-                          <a:cs typeface="+mn-cs"/>
-                        </a:rPr>
-                        <a:t>. Trata de todas las cosas en lo que éstas se relacionan con Dios y sus propósitos divinos.</a:t>
+                        <a:rPr lang="es-ES" sz="3600" b="0" i="0" u="none" strike="noStrike" kern="1200" baseline="0" dirty="0">
+                          <a:solidFill>
+                            <a:schemeClr val="bg1"/>
+                          </a:solidFill>
+                          <a:latin typeface="+mn-lt"/>
+                          <a:ea typeface="+mn-ea"/>
+                          <a:cs typeface="+mn-cs"/>
+                        </a:rPr>
+                        <a:t>Las doctrinas (que significa enseñanzas) Cristianas son las verdades de la Biblia organizadas de manera estructurada.</a:t>
                       </a:r>
                     </a:p>
                   </a:txBody>
@@ -9415,7 +8283,7 @@
         </p:blipFill>
         <p:spPr>
           <a:xfrm>
-            <a:off x="8221307" y="390256"/>
+            <a:off x="9147294" y="390256"/>
             <a:ext cx="523315" cy="523315"/>
           </a:xfrm>
           <a:prstGeom prst="rect">
@@ -9426,7 +8294,7 @@
     </p:spTree>
     <p:extLst>
       <p:ext uri="{BB962C8B-B14F-4D97-AF65-F5344CB8AC3E}">
-        <p14:creationId xmlns:p14="http://schemas.microsoft.com/office/powerpoint/2010/main" val="3942404586"/>
+        <p14:creationId xmlns:p14="http://schemas.microsoft.com/office/powerpoint/2010/main" val="2054333783"/>
       </p:ext>
     </p:extLst>
   </p:cSld>
@@ -9471,39 +8339,34 @@
         </p:nvSpPr>
         <p:spPr>
           <a:xfrm>
-            <a:off x="376518" y="220170"/>
-            <a:ext cx="8368104" cy="990064"/>
+            <a:off x="489391" y="271305"/>
+            <a:ext cx="8657903" cy="863486"/>
           </a:xfrm>
         </p:spPr>
         <p:txBody>
           <a:bodyPr rtlCol="0">
-            <a:noAutofit/>
+            <a:normAutofit/>
           </a:bodyPr>
           <a:lstStyle/>
           <a:p>
-            <a:pPr algn="ctr">
-              <a:lnSpc>
-                <a:spcPct val="100000"/>
-              </a:lnSpc>
-            </a:pPr>
             <a:r>
-              <a:rPr lang="es-VE" sz="2800" dirty="0">
+              <a:rPr lang="es-VE" dirty="0">
                 <a:latin typeface="Rockwell" panose="02060603020205020403" pitchFamily="18" charset="0"/>
               </a:rPr>
-              <a:t>1. LA NATURALEZA DE LA DOCTRINA</a:t>
+              <a:t>1. ORIGEN DE LA DOCTRINA</a:t>
             </a:r>
             <a:br>
-              <a:rPr lang="es-VE" sz="2800" dirty="0">
+              <a:rPr lang="es-VE" dirty="0">
                 <a:latin typeface="Rockwell" panose="02060603020205020403" pitchFamily="18" charset="0"/>
               </a:rPr>
             </a:br>
             <a:r>
-              <a:rPr lang="es-VE" sz="2800" dirty="0">
+              <a:rPr lang="es-ES" sz="2000" dirty="0">
                 <a:latin typeface="Rockwell" panose="02060603020205020403" pitchFamily="18" charset="0"/>
               </a:rPr>
-              <a:t>¿Algunas preguntas?</a:t>
+              <a:t>1.2. Teología Cristiana</a:t>
             </a:r>
-            <a:endParaRPr lang="es-ES" sz="2800" dirty="0">
+            <a:endParaRPr lang="es-ES" dirty="0">
               <a:latin typeface="Rockwell" panose="02060603020205020403" pitchFamily="18" charset="0"/>
             </a:endParaRPr>
           </a:p>
@@ -9525,14 +8388,14 @@
             <p:ph idx="1"/>
             <p:extLst>
               <p:ext uri="{D42A27DB-BD31-4B8C-83A1-F6EECF244321}">
-                <p14:modId xmlns:p14="http://schemas.microsoft.com/office/powerpoint/2010/main" val="3719506393"/>
+                <p14:modId xmlns:p14="http://schemas.microsoft.com/office/powerpoint/2010/main" val="1435320296"/>
               </p:ext>
             </p:extLst>
           </p:nvPr>
         </p:nvGraphicFramePr>
         <p:xfrm>
-          <a:off x="376518" y="1210234"/>
-          <a:ext cx="8368104" cy="4116509"/>
+          <a:off x="489391" y="1126672"/>
+          <a:ext cx="9181218" cy="4274820"/>
         </p:xfrm>
         <a:graphic>
           <a:graphicData uri="http://schemas.openxmlformats.org/drawingml/2006/table">
@@ -9541,7 +8404,7 @@
                 <a:tableStyleId>{5C22544A-7EE6-4342-B048-85BDC9FD1C3A}</a:tableStyleId>
               </a:tblPr>
               <a:tblGrid>
-                <a:gridCol w="8368104">
+                <a:gridCol w="9181218">
                   <a:extLst>
                     <a:ext uri="{9D8B030D-6E8A-4147-A177-3AD203B41FA5}">
                       <a16:colId xmlns:a16="http://schemas.microsoft.com/office/drawing/2014/main" val="743422230"/>
@@ -9549,15 +8412,31 @@
                   </a:extLst>
                 </a:gridCol>
               </a:tblGrid>
-              <a:tr h="4116509">
+              <a:tr h="4198072">
                 <a:tc>
                   <a:txBody>
                     <a:bodyPr/>
                     <a:lstStyle/>
                     <a:p>
-                      <a:pPr algn="ctr" rtl="0"/>
-                      <a:r>
-                        <a:rPr lang="es-VE" sz="3200" b="1" i="0" u="none" strike="noStrike" kern="1200" baseline="0" dirty="0">
+                      <a:pPr marL="0" marR="0" lvl="0" indent="0" algn="l" defTabSz="914400" rtl="0" eaLnBrk="1" fontAlgn="auto" latinLnBrk="0" hangingPunct="1">
+                        <a:lnSpc>
+                          <a:spcPct val="100000"/>
+                        </a:lnSpc>
+                        <a:spcBef>
+                          <a:spcPts val="0"/>
+                        </a:spcBef>
+                        <a:spcAft>
+                          <a:spcPts val="0"/>
+                        </a:spcAft>
+                        <a:buClrTx/>
+                        <a:buSzTx/>
+                        <a:buFont typeface="Wingdings" panose="05000000000000000000" pitchFamily="2" charset="2"/>
+                        <a:buNone/>
+                        <a:tabLst/>
+                        <a:defRPr/>
+                      </a:pPr>
+                      <a:r>
+                        <a:rPr lang="es-ES" sz="2300" b="0" i="0" u="none" strike="noStrike" kern="1200" baseline="0" dirty="0">
                           <a:solidFill>
                             <a:schemeClr val="lt1"/>
                           </a:solidFill>
@@ -9565,37 +8444,50 @@
                           <a:ea typeface="+mn-ea"/>
                           <a:cs typeface="+mn-cs"/>
                         </a:rPr>
-                        <a:t>1. ¿Por qué definimos la teología o doctrina con el nombre de </a:t>
-                      </a:r>
-                      <a:r>
-                        <a:rPr lang="es-VE" sz="3200" b="1" i="0" u="none" strike="noStrike" kern="1200" baseline="0" dirty="0">
+                        <a:t>Es el estudio de las </a:t>
+                      </a:r>
+                      <a:r>
+                        <a:rPr lang="es-ES" sz="2300" b="0" i="0" u="none" strike="noStrike" kern="1200" baseline="0" dirty="0">
+                          <a:solidFill>
+                            <a:srgbClr val="FFFF00"/>
+                          </a:solidFill>
+                          <a:latin typeface="+mn-lt"/>
+                          <a:ea typeface="+mn-ea"/>
+                          <a:cs typeface="+mn-cs"/>
+                        </a:rPr>
+                        <a:t>doctrinas Cristianas</a:t>
+                      </a:r>
+                      <a:r>
+                        <a:rPr lang="es-ES" sz="2300" b="0" i="0" u="none" strike="noStrike" kern="1200" baseline="0" dirty="0">
                           <a:solidFill>
                             <a:schemeClr val="lt1"/>
                           </a:solidFill>
-                          <a:highlight>
-                            <a:srgbClr val="800080"/>
-                          </a:highlight>
-                          <a:latin typeface="+mn-lt"/>
-                          <a:ea typeface="+mn-ea"/>
-                          <a:cs typeface="+mn-cs"/>
-                        </a:rPr>
-                        <a:t>“ciencia”</a:t>
-                      </a:r>
-                      <a:r>
-                        <a:rPr lang="es-VE" sz="3200" b="1" i="0" u="none" strike="noStrike" kern="1200" baseline="0" dirty="0">
-                          <a:solidFill>
-                            <a:schemeClr val="lt1"/>
-                          </a:solidFill>
-                          <a:latin typeface="+mn-lt"/>
-                          <a:ea typeface="+mn-ea"/>
-                          <a:cs typeface="+mn-cs"/>
-                        </a:rPr>
-                        <a:t>? </a:t>
+                          <a:latin typeface="+mn-lt"/>
+                          <a:ea typeface="+mn-ea"/>
+                          <a:cs typeface="+mn-cs"/>
+                        </a:rPr>
+                        <a:t> desde una perspectiva académica enfocado en:</a:t>
                       </a:r>
                     </a:p>
                     <a:p>
-                      <a:pPr rtl="0"/>
-                      <a:endParaRPr lang="es-VE" sz="3200" b="0" i="0" u="none" strike="noStrike" kern="1200" baseline="0" dirty="0">
+                      <a:pPr marL="0" marR="0" lvl="0" indent="0" algn="l" defTabSz="914400" rtl="0" eaLnBrk="1" fontAlgn="auto" latinLnBrk="0" hangingPunct="1">
+                        <a:lnSpc>
+                          <a:spcPct val="100000"/>
+                        </a:lnSpc>
+                        <a:spcBef>
+                          <a:spcPts val="0"/>
+                        </a:spcBef>
+                        <a:spcAft>
+                          <a:spcPts val="0"/>
+                        </a:spcAft>
+                        <a:buClrTx/>
+                        <a:buSzTx/>
+                        <a:buFont typeface="Wingdings" panose="05000000000000000000" pitchFamily="2" charset="2"/>
+                        <a:buNone/>
+                        <a:tabLst/>
+                        <a:defRPr/>
+                      </a:pPr>
+                      <a:endParaRPr lang="es-ES" sz="2300" b="0" i="0" u="none" strike="noStrike" kern="1200" baseline="0" dirty="0">
                         <a:solidFill>
                           <a:schemeClr val="lt1"/>
                         </a:solidFill>
@@ -9605,9 +8497,25 @@
                       </a:endParaRPr>
                     </a:p>
                     <a:p>
-                      <a:pPr rtl="0"/>
-                      <a:r>
-                        <a:rPr lang="es-VE" sz="3200" b="0" i="0" u="none" strike="noStrike" kern="1200" baseline="0" dirty="0">
+                      <a:pPr marL="342900" marR="0" lvl="0" indent="-342900" algn="l" defTabSz="914400" rtl="0" eaLnBrk="1" fontAlgn="auto" latinLnBrk="0" hangingPunct="1">
+                        <a:lnSpc>
+                          <a:spcPct val="100000"/>
+                        </a:lnSpc>
+                        <a:spcBef>
+                          <a:spcPts val="0"/>
+                        </a:spcBef>
+                        <a:spcAft>
+                          <a:spcPts val="0"/>
+                        </a:spcAft>
+                        <a:buClrTx/>
+                        <a:buSzTx/>
+                        <a:buFont typeface="Arial" panose="020B0604020202020204" pitchFamily="34" charset="0"/>
+                        <a:buChar char="•"/>
+                        <a:tabLst/>
+                        <a:defRPr/>
+                      </a:pPr>
+                      <a:r>
+                        <a:rPr lang="es-ES" sz="2300" b="0" i="0" u="none" strike="noStrike" kern="1200" baseline="0" dirty="0">
                           <a:solidFill>
                             <a:schemeClr val="lt1"/>
                           </a:solidFill>
@@ -9615,246 +8523,178 @@
                           <a:ea typeface="+mn-ea"/>
                           <a:cs typeface="+mn-cs"/>
                         </a:rPr>
-                        <a:t>Se denomina </a:t>
-                      </a:r>
-                      <a:r>
-                        <a:rPr lang="es-VE" sz="3200" b="0" i="0" u="none" strike="noStrike" kern="1200" baseline="0" dirty="0">
-                          <a:solidFill>
-                            <a:schemeClr val="lt1"/>
-                          </a:solidFill>
-                          <a:highlight>
-                            <a:srgbClr val="800080"/>
-                          </a:highlight>
-                          <a:latin typeface="+mn-lt"/>
-                          <a:ea typeface="+mn-ea"/>
-                          <a:cs typeface="+mn-cs"/>
-                        </a:rPr>
-                        <a:t>ciencia</a:t>
-                      </a:r>
-                      <a:r>
-                        <a:rPr lang="es-VE" sz="3200" b="0" i="0" u="none" strike="noStrike" kern="1200" baseline="0" dirty="0">
-                          <a:solidFill>
-                            <a:schemeClr val="lt1"/>
-                          </a:solidFill>
-                          <a:latin typeface="+mn-lt"/>
-                          <a:ea typeface="+mn-ea"/>
-                          <a:cs typeface="+mn-cs"/>
-                        </a:rPr>
-                        <a:t> al arreglo sistemático y lógico de hechos </a:t>
-                      </a:r>
-                      <a:r>
-                        <a:rPr lang="es-VE" sz="3200" b="1" i="0" u="none" strike="noStrike" kern="1200" baseline="0" dirty="0">
-                          <a:solidFill>
-                            <a:schemeClr val="lt1"/>
-                          </a:solidFill>
-                          <a:latin typeface="+mn-lt"/>
-                          <a:ea typeface="+mn-ea"/>
-                          <a:cs typeface="+mn-cs"/>
-                        </a:rPr>
-                        <a:t>autenticados</a:t>
-                      </a:r>
-                      <a:r>
-                        <a:rPr lang="es-VE" sz="3200" b="0" i="0" u="none" strike="noStrike" kern="1200" baseline="0" dirty="0">
-                          <a:solidFill>
-                            <a:schemeClr val="lt1"/>
-                          </a:solidFill>
-                          <a:latin typeface="+mn-lt"/>
-                          <a:ea typeface="+mn-ea"/>
-                          <a:cs typeface="+mn-cs"/>
-                        </a:rPr>
-                        <a:t>. Se denomina ciencia a la teología porque </a:t>
-                      </a:r>
-                      <a:r>
-                        <a:rPr lang="es-VE" sz="3200" b="0" i="0" u="none" strike="noStrike" kern="1200" baseline="0" dirty="0">
-                          <a:solidFill>
-                            <a:schemeClr val="lt1"/>
-                          </a:solidFill>
-                          <a:highlight>
-                            <a:srgbClr val="008000"/>
-                          </a:highlight>
-                          <a:latin typeface="+mn-lt"/>
-                          <a:ea typeface="+mn-ea"/>
-                          <a:cs typeface="+mn-cs"/>
-                        </a:rPr>
-                        <a:t>consiste en hechos o verdades relacionadas con Dios</a:t>
-                      </a:r>
-                      <a:r>
-                        <a:rPr lang="es-VE" sz="3200" b="0" i="0" u="none" strike="noStrike" kern="1200" baseline="0" dirty="0">
-                          <a:solidFill>
-                            <a:schemeClr val="lt1"/>
-                          </a:solidFill>
-                          <a:latin typeface="+mn-lt"/>
-                          <a:ea typeface="+mn-ea"/>
-                          <a:cs typeface="+mn-cs"/>
-                        </a:rPr>
-                        <a:t> y las cosas divinas, presentadas en forma lógica y ordenada.</a:t>
-                      </a:r>
-                    </a:p>
-                  </a:txBody>
-                  <a:tcPr marL="68580" marR="68580" marT="34290" marB="34290" anchor="ctr"/>
-                </a:tc>
-                <a:extLst>
-                  <a:ext uri="{0D108BD9-81ED-4DB2-BD59-A6C34878D82A}">
-                    <a16:rowId xmlns:a16="http://schemas.microsoft.com/office/drawing/2014/main" val="744739329"/>
-                  </a:ext>
-                </a:extLst>
-              </a:tr>
-            </a:tbl>
-          </a:graphicData>
-        </a:graphic>
-      </p:graphicFrame>
-    </p:spTree>
-    <p:extLst>
-      <p:ext uri="{BB962C8B-B14F-4D97-AF65-F5344CB8AC3E}">
-        <p14:creationId xmlns:p14="http://schemas.microsoft.com/office/powerpoint/2010/main" val="648769635"/>
-      </p:ext>
-    </p:extLst>
-  </p:cSld>
-  <p:clrMapOvr>
-    <a:masterClrMapping/>
-  </p:clrMapOvr>
-</p:sld>
-</file>
-
-<file path=ppt/slides/slide5.xml><?xml version="1.0" encoding="utf-8"?>
-<p:sld xmlns:a="http://schemas.openxmlformats.org/drawingml/2006/main" xmlns:r="http://schemas.openxmlformats.org/officeDocument/2006/relationships" xmlns:p="http://schemas.openxmlformats.org/presentationml/2006/main">
-  <p:cSld>
-    <p:spTree>
-      <p:nvGrpSpPr>
-        <p:cNvPr id="1" name=""/>
-        <p:cNvGrpSpPr/>
-        <p:nvPr/>
-      </p:nvGrpSpPr>
-      <p:grpSpPr>
-        <a:xfrm>
-          <a:off x="0" y="0"/>
-          <a:ext cx="0" cy="0"/>
-          <a:chOff x="0" y="0"/>
-          <a:chExt cx="0" cy="0"/>
-        </a:xfrm>
-      </p:grpSpPr>
-      <p:sp>
-        <p:nvSpPr>
-          <p:cNvPr id="2" name="Título 1">
-            <a:extLst>
-              <a:ext uri="{FF2B5EF4-FFF2-40B4-BE49-F238E27FC236}">
-                <a16:creationId xmlns:a16="http://schemas.microsoft.com/office/drawing/2014/main" id="{F2153DD3-C27C-457D-ADDD-066D01CB95CA}"/>
-              </a:ext>
-            </a:extLst>
-          </p:cNvPr>
-          <p:cNvSpPr>
-            <a:spLocks noGrp="1"/>
-          </p:cNvSpPr>
-          <p:nvPr>
-            <p:ph type="title"/>
-          </p:nvPr>
-        </p:nvSpPr>
-        <p:spPr>
-          <a:xfrm>
-            <a:off x="376518" y="220170"/>
-            <a:ext cx="8368104" cy="990064"/>
-          </a:xfrm>
-        </p:spPr>
-        <p:txBody>
-          <a:bodyPr rtlCol="0">
-            <a:noAutofit/>
-          </a:bodyPr>
-          <a:lstStyle/>
-          <a:p>
-            <a:pPr algn="ctr">
-              <a:lnSpc>
-                <a:spcPct val="100000"/>
-              </a:lnSpc>
-            </a:pPr>
-            <a:r>
-              <a:rPr lang="es-VE" sz="2800" dirty="0">
-                <a:latin typeface="Rockwell" panose="02060603020205020403" pitchFamily="18" charset="0"/>
-              </a:rPr>
-              <a:t>1. LA NATURALEZA DE LA DOCTRINA</a:t>
-            </a:r>
-            <a:br>
-              <a:rPr lang="es-VE" sz="2800" dirty="0">
-                <a:latin typeface="Rockwell" panose="02060603020205020403" pitchFamily="18" charset="0"/>
-              </a:rPr>
-            </a:br>
-            <a:r>
-              <a:rPr lang="es-VE" sz="2800" dirty="0">
-                <a:latin typeface="Rockwell" panose="02060603020205020403" pitchFamily="18" charset="0"/>
-              </a:rPr>
-              <a:t>¿Algunas preguntas?</a:t>
-            </a:r>
-            <a:endParaRPr lang="es-ES" sz="2800" dirty="0">
-              <a:latin typeface="Rockwell" panose="02060603020205020403" pitchFamily="18" charset="0"/>
-            </a:endParaRPr>
-          </a:p>
-        </p:txBody>
-      </p:sp>
-      <p:graphicFrame>
-        <p:nvGraphicFramePr>
-          <p:cNvPr id="4" name="Marcador de contenido 3">
-            <a:extLst>
-              <a:ext uri="{FF2B5EF4-FFF2-40B4-BE49-F238E27FC236}">
-                <a16:creationId xmlns:a16="http://schemas.microsoft.com/office/drawing/2014/main" id="{31F44B22-324B-4DE8-B32C-85312184904C}"/>
-              </a:ext>
-            </a:extLst>
-          </p:cNvPr>
-          <p:cNvGraphicFramePr>
-            <a:graphicFrameLocks noGrp="1"/>
-          </p:cNvGraphicFramePr>
-          <p:nvPr>
-            <p:ph idx="1"/>
-            <p:extLst>
-              <p:ext uri="{D42A27DB-BD31-4B8C-83A1-F6EECF244321}">
-                <p14:modId xmlns:p14="http://schemas.microsoft.com/office/powerpoint/2010/main" val="2106882566"/>
-              </p:ext>
-            </p:extLst>
-          </p:nvPr>
-        </p:nvGraphicFramePr>
-        <p:xfrm>
-          <a:off x="376518" y="1210234"/>
-          <a:ext cx="8368104" cy="3996765"/>
-        </p:xfrm>
-        <a:graphic>
-          <a:graphicData uri="http://schemas.openxmlformats.org/drawingml/2006/table">
-            <a:tbl>
-              <a:tblPr firstRow="1" bandRow="1">
-                <a:tableStyleId>{5C22544A-7EE6-4342-B048-85BDC9FD1C3A}</a:tableStyleId>
-              </a:tblPr>
-              <a:tblGrid>
-                <a:gridCol w="8368104">
-                  <a:extLst>
-                    <a:ext uri="{9D8B030D-6E8A-4147-A177-3AD203B41FA5}">
-                      <a16:colId xmlns:a16="http://schemas.microsoft.com/office/drawing/2014/main" val="743422230"/>
-                    </a:ext>
-                  </a:extLst>
-                </a:gridCol>
-              </a:tblGrid>
-              <a:tr h="3996765">
-                <a:tc>
-                  <a:txBody>
-                    <a:bodyPr/>
-                    <a:lstStyle/>
-                    <a:p>
-                      <a:pPr marL="0" indent="0" algn="ctr" rtl="0">
-                        <a:buNone/>
-                      </a:pPr>
-                      <a:r>
-                        <a:rPr lang="es-VE" sz="3200" b="1" i="0" u="none" strike="noStrike" kern="1200" baseline="0" dirty="0">
-                          <a:solidFill>
-                            <a:schemeClr val="lt1"/>
-                          </a:solidFill>
-                          <a:latin typeface="+mn-lt"/>
-                          <a:ea typeface="+mn-ea"/>
-                          <a:cs typeface="+mn-cs"/>
-                        </a:rPr>
-                        <a:t>2. ¿Qué diferencia hay entre doctrina y dogma?</a:t>
+                        <a:t>Análisis e interpretación de las Escrituras.</a:t>
                       </a:r>
                     </a:p>
                     <a:p>
-                      <a:pPr marL="514350" indent="-514350" algn="ctr" rtl="0">
-                        <a:buAutoNum type="arabicPeriod"/>
+                      <a:pPr marL="342900" marR="0" lvl="0" indent="-342900" algn="l" defTabSz="914400" rtl="0" eaLnBrk="1" fontAlgn="auto" latinLnBrk="0" hangingPunct="1">
+                        <a:lnSpc>
+                          <a:spcPct val="100000"/>
+                        </a:lnSpc>
+                        <a:spcBef>
+                          <a:spcPts val="0"/>
+                        </a:spcBef>
+                        <a:spcAft>
+                          <a:spcPts val="0"/>
+                        </a:spcAft>
+                        <a:buClrTx/>
+                        <a:buSzTx/>
+                        <a:buFont typeface="Arial" panose="020B0604020202020204" pitchFamily="34" charset="0"/>
+                        <a:buChar char="•"/>
+                        <a:tabLst/>
+                        <a:defRPr/>
                       </a:pPr>
-                      <a:endParaRPr lang="es-VE" sz="3200" b="1" i="0" u="none" strike="noStrike" kern="1200" baseline="0" dirty="0">
+                      <a:r>
+                        <a:rPr lang="es-ES" sz="2300" b="0" i="0" u="none" strike="noStrike" kern="1200" baseline="0" dirty="0">
+                          <a:solidFill>
+                            <a:schemeClr val="lt1"/>
+                          </a:solidFill>
+                          <a:latin typeface="+mn-lt"/>
+                          <a:ea typeface="+mn-ea"/>
+                          <a:cs typeface="+mn-cs"/>
+                        </a:rPr>
+                        <a:t>Comprensión de la naturaleza de Dios.</a:t>
+                      </a:r>
+                    </a:p>
+                    <a:p>
+                      <a:pPr marL="342900" marR="0" lvl="0" indent="-342900" algn="l" defTabSz="914400" rtl="0" eaLnBrk="1" fontAlgn="auto" latinLnBrk="0" hangingPunct="1">
+                        <a:lnSpc>
+                          <a:spcPct val="100000"/>
+                        </a:lnSpc>
+                        <a:spcBef>
+                          <a:spcPts val="0"/>
+                        </a:spcBef>
+                        <a:spcAft>
+                          <a:spcPts val="0"/>
+                        </a:spcAft>
+                        <a:buClrTx/>
+                        <a:buSzTx/>
+                        <a:buFont typeface="Arial" panose="020B0604020202020204" pitchFamily="34" charset="0"/>
+                        <a:buChar char="•"/>
+                        <a:tabLst/>
+                        <a:defRPr/>
+                      </a:pPr>
+                      <a:r>
+                        <a:rPr lang="es-ES" sz="2300" b="0" i="0" u="none" strike="noStrike" kern="1200" baseline="0" dirty="0">
+                          <a:solidFill>
+                            <a:schemeClr val="lt1"/>
+                          </a:solidFill>
+                          <a:latin typeface="+mn-lt"/>
+                          <a:ea typeface="+mn-ea"/>
+                          <a:cs typeface="+mn-cs"/>
+                        </a:rPr>
+                        <a:t>Persona, obra y deidad de Jesucristo.</a:t>
+                      </a:r>
+                    </a:p>
+                    <a:p>
+                      <a:pPr marL="342900" marR="0" lvl="0" indent="-342900" algn="l" defTabSz="914400" rtl="0" eaLnBrk="1" fontAlgn="auto" latinLnBrk="0" hangingPunct="1">
+                        <a:lnSpc>
+                          <a:spcPct val="100000"/>
+                        </a:lnSpc>
+                        <a:spcBef>
+                          <a:spcPts val="0"/>
+                        </a:spcBef>
+                        <a:spcAft>
+                          <a:spcPts val="0"/>
+                        </a:spcAft>
+                        <a:buClrTx/>
+                        <a:buSzTx/>
+                        <a:buFont typeface="Arial" panose="020B0604020202020204" pitchFamily="34" charset="0"/>
+                        <a:buChar char="•"/>
+                        <a:tabLst/>
+                        <a:defRPr/>
+                      </a:pPr>
+                      <a:r>
+                        <a:rPr lang="es-ES" sz="2300" b="0" i="0" u="none" strike="noStrike" kern="1200" baseline="0" dirty="0">
+                          <a:solidFill>
+                            <a:schemeClr val="lt1"/>
+                          </a:solidFill>
+                          <a:latin typeface="+mn-lt"/>
+                          <a:ea typeface="+mn-ea"/>
+                          <a:cs typeface="+mn-cs"/>
+                        </a:rPr>
+                        <a:t>La salvación.</a:t>
+                      </a:r>
+                    </a:p>
+                    <a:p>
+                      <a:pPr marL="342900" marR="0" lvl="0" indent="-342900" algn="l" defTabSz="914400" rtl="0" eaLnBrk="1" fontAlgn="auto" latinLnBrk="0" hangingPunct="1">
+                        <a:lnSpc>
+                          <a:spcPct val="100000"/>
+                        </a:lnSpc>
+                        <a:spcBef>
+                          <a:spcPts val="0"/>
+                        </a:spcBef>
+                        <a:spcAft>
+                          <a:spcPts val="0"/>
+                        </a:spcAft>
+                        <a:buClrTx/>
+                        <a:buSzTx/>
+                        <a:buFont typeface="Arial" panose="020B0604020202020204" pitchFamily="34" charset="0"/>
+                        <a:buChar char="•"/>
+                        <a:tabLst/>
+                        <a:defRPr/>
+                      </a:pPr>
+                      <a:r>
+                        <a:rPr lang="es-ES" sz="2300" b="0" i="0" u="none" strike="noStrike" kern="1200" baseline="0" dirty="0">
+                          <a:solidFill>
+                            <a:schemeClr val="lt1"/>
+                          </a:solidFill>
+                          <a:latin typeface="+mn-lt"/>
+                          <a:ea typeface="+mn-ea"/>
+                          <a:cs typeface="+mn-cs"/>
+                        </a:rPr>
+                        <a:t>La iglesia.</a:t>
+                      </a:r>
+                    </a:p>
+                    <a:p>
+                      <a:pPr marL="342900" marR="0" lvl="0" indent="-342900" algn="l" defTabSz="914400" rtl="0" eaLnBrk="1" fontAlgn="auto" latinLnBrk="0" hangingPunct="1">
+                        <a:lnSpc>
+                          <a:spcPct val="100000"/>
+                        </a:lnSpc>
+                        <a:spcBef>
+                          <a:spcPts val="0"/>
+                        </a:spcBef>
+                        <a:spcAft>
+                          <a:spcPts val="0"/>
+                        </a:spcAft>
+                        <a:buClrTx/>
+                        <a:buSzTx/>
+                        <a:buFont typeface="Arial" panose="020B0604020202020204" pitchFamily="34" charset="0"/>
+                        <a:buChar char="•"/>
+                        <a:tabLst/>
+                        <a:defRPr/>
+                      </a:pPr>
+                      <a:r>
+                        <a:rPr lang="es-ES" sz="2300" b="0" i="0" u="none" strike="noStrike" kern="1200" baseline="0" dirty="0">
+                          <a:solidFill>
+                            <a:schemeClr val="lt1"/>
+                          </a:solidFill>
+                          <a:latin typeface="+mn-lt"/>
+                          <a:ea typeface="+mn-ea"/>
+                          <a:cs typeface="+mn-cs"/>
+                        </a:rPr>
+                        <a:t>Otros temas centrales de la fe cristiana.</a:t>
+                      </a:r>
+                    </a:p>
+                    <a:p>
+                      <a:pPr marL="0" marR="0" lvl="0" indent="0" algn="l" defTabSz="914400" rtl="0" eaLnBrk="1" fontAlgn="auto" latinLnBrk="0" hangingPunct="1">
+                        <a:lnSpc>
+                          <a:spcPct val="100000"/>
+                        </a:lnSpc>
+                        <a:spcBef>
+                          <a:spcPts val="0"/>
+                        </a:spcBef>
+                        <a:spcAft>
+                          <a:spcPts val="0"/>
+                        </a:spcAft>
+                        <a:buClrTx/>
+                        <a:buSzTx/>
+                        <a:buFont typeface="Arial" panose="020B0604020202020204" pitchFamily="34" charset="0"/>
+                        <a:buNone/>
+                        <a:tabLst/>
+                        <a:defRPr/>
+                      </a:pPr>
+                      <a:endParaRPr lang="es-ES" sz="2300" b="0" i="0" u="none" strike="noStrike" kern="1200" baseline="0" dirty="0">
                         <a:solidFill>
                           <a:schemeClr val="lt1"/>
                         </a:solidFill>
@@ -9864,273 +8704,35 @@
                       </a:endParaRPr>
                     </a:p>
                     <a:p>
-                      <a:pPr marL="0" indent="0" algn="ctr" rtl="0">
+                      <a:pPr marL="0" marR="0" lvl="0" indent="0" algn="l" defTabSz="914400" rtl="0" eaLnBrk="1" fontAlgn="auto" latinLnBrk="0" hangingPunct="1">
+                        <a:lnSpc>
+                          <a:spcPct val="100000"/>
+                        </a:lnSpc>
+                        <a:spcBef>
+                          <a:spcPts val="0"/>
+                        </a:spcBef>
+                        <a:spcAft>
+                          <a:spcPts val="0"/>
+                        </a:spcAft>
+                        <a:buClrTx/>
+                        <a:buSzTx/>
+                        <a:buFont typeface="Wingdings" panose="05000000000000000000" pitchFamily="2" charset="2"/>
                         <a:buNone/>
+                        <a:tabLst/>
+                        <a:defRPr/>
                       </a:pPr>
                       <a:r>
-                        <a:rPr lang="es-VE" sz="3200" b="0" i="0" u="none" strike="noStrike" kern="1200" baseline="0" dirty="0">
+                        <a:rPr lang="es-ES" sz="2300" b="0" i="0" u="none" strike="noStrike" kern="1200" baseline="0" dirty="0">
                           <a:solidFill>
                             <a:schemeClr val="lt1"/>
                           </a:solidFill>
-                          <a:highlight>
-                            <a:srgbClr val="008000"/>
-                          </a:highlight>
-                          <a:latin typeface="+mn-lt"/>
-                          <a:ea typeface="+mn-ea"/>
-                          <a:cs typeface="+mn-cs"/>
-                        </a:rPr>
-                        <a:t>Doctrina es la revelación de Dios </a:t>
-                      </a:r>
-                      <a:r>
-                        <a:rPr lang="es-VE" sz="3200" b="0" i="0" u="none" strike="noStrike" kern="1200" baseline="0" dirty="0">
-                          <a:solidFill>
-                            <a:schemeClr val="lt1"/>
-                          </a:solidFill>
-                          <a:latin typeface="+mn-lt"/>
-                          <a:ea typeface="+mn-ea"/>
-                          <a:cs typeface="+mn-cs"/>
-                        </a:rPr>
-                        <a:t>de una verdad tal como se encuentra en las </a:t>
-                      </a:r>
-                      <a:r>
-                        <a:rPr lang="es-VE" sz="3200" b="1" i="0" u="none" strike="noStrike" kern="1200" baseline="0" dirty="0">
-                          <a:solidFill>
-                            <a:schemeClr val="lt1"/>
-                          </a:solidFill>
-                          <a:latin typeface="+mn-lt"/>
-                          <a:ea typeface="+mn-ea"/>
-                          <a:cs typeface="+mn-cs"/>
-                        </a:rPr>
-                        <a:t>Sagradas Escrituras</a:t>
-                      </a:r>
-                      <a:r>
-                        <a:rPr lang="es-VE" sz="3200" b="0" i="0" u="none" strike="noStrike" kern="1200" baseline="0" dirty="0">
-                          <a:solidFill>
-                            <a:schemeClr val="lt1"/>
-                          </a:solidFill>
-                          <a:latin typeface="+mn-lt"/>
-                          <a:ea typeface="+mn-ea"/>
-                          <a:cs typeface="+mn-cs"/>
-                        </a:rPr>
-                        <a:t>. </a:t>
-                      </a:r>
-                      <a:r>
-                        <a:rPr lang="es-VE" sz="3200" b="0" i="0" u="none" strike="noStrike" kern="1200" baseline="0" dirty="0">
-                          <a:solidFill>
-                            <a:schemeClr val="lt1"/>
-                          </a:solidFill>
-                          <a:highlight>
-                            <a:srgbClr val="800000"/>
-                          </a:highlight>
-                          <a:latin typeface="+mn-lt"/>
-                          <a:ea typeface="+mn-ea"/>
-                          <a:cs typeface="+mn-cs"/>
-                        </a:rPr>
-                        <a:t>Dogma es la declaración del hombre </a:t>
-                      </a:r>
-                      <a:r>
-                        <a:rPr lang="es-VE" sz="3200" b="0" i="0" u="none" strike="noStrike" kern="1200" baseline="0" dirty="0">
-                          <a:solidFill>
-                            <a:schemeClr val="lt1"/>
-                          </a:solidFill>
-                          <a:latin typeface="+mn-lt"/>
-                          <a:ea typeface="+mn-ea"/>
-                          <a:cs typeface="+mn-cs"/>
-                        </a:rPr>
-                        <a:t>respecto de esa verdad.</a:t>
-                      </a:r>
-                      <a:endParaRPr lang="es" sz="1200" dirty="0">
-                        <a:latin typeface="Tahoma" panose="020B0604030504040204" pitchFamily="34" charset="0"/>
-                        <a:ea typeface="Tahoma" panose="020B0604030504040204" pitchFamily="34" charset="0"/>
-                        <a:cs typeface="Tahoma" panose="020B0604030504040204" pitchFamily="34" charset="0"/>
-                      </a:endParaRPr>
-                    </a:p>
-                  </a:txBody>
-                  <a:tcPr marL="68580" marR="68580" marT="34290" marB="34290" anchor="ctr"/>
-                </a:tc>
-                <a:extLst>
-                  <a:ext uri="{0D108BD9-81ED-4DB2-BD59-A6C34878D82A}">
-                    <a16:rowId xmlns:a16="http://schemas.microsoft.com/office/drawing/2014/main" val="744739329"/>
-                  </a:ext>
-                </a:extLst>
-              </a:tr>
-            </a:tbl>
-          </a:graphicData>
-        </a:graphic>
-      </p:graphicFrame>
-    </p:spTree>
-    <p:extLst>
-      <p:ext uri="{BB962C8B-B14F-4D97-AF65-F5344CB8AC3E}">
-        <p14:creationId xmlns:p14="http://schemas.microsoft.com/office/powerpoint/2010/main" val="3026772079"/>
-      </p:ext>
-    </p:extLst>
-  </p:cSld>
-  <p:clrMapOvr>
-    <a:masterClrMapping/>
-  </p:clrMapOvr>
-</p:sld>
-</file>
-
-<file path=ppt/slides/slide6.xml><?xml version="1.0" encoding="utf-8"?>
-<p:sld xmlns:a="http://schemas.openxmlformats.org/drawingml/2006/main" xmlns:r="http://schemas.openxmlformats.org/officeDocument/2006/relationships" xmlns:p="http://schemas.openxmlformats.org/presentationml/2006/main">
-  <p:cSld>
-    <p:spTree>
-      <p:nvGrpSpPr>
-        <p:cNvPr id="1" name=""/>
-        <p:cNvGrpSpPr/>
-        <p:nvPr/>
-      </p:nvGrpSpPr>
-      <p:grpSpPr>
-        <a:xfrm>
-          <a:off x="0" y="0"/>
-          <a:ext cx="0" cy="0"/>
-          <a:chOff x="0" y="0"/>
-          <a:chExt cx="0" cy="0"/>
-        </a:xfrm>
-      </p:grpSpPr>
-      <p:sp>
-        <p:nvSpPr>
-          <p:cNvPr id="2" name="Título 1">
-            <a:extLst>
-              <a:ext uri="{FF2B5EF4-FFF2-40B4-BE49-F238E27FC236}">
-                <a16:creationId xmlns:a16="http://schemas.microsoft.com/office/drawing/2014/main" id="{F2153DD3-C27C-457D-ADDD-066D01CB95CA}"/>
-              </a:ext>
-            </a:extLst>
-          </p:cNvPr>
-          <p:cNvSpPr>
-            <a:spLocks noGrp="1"/>
-          </p:cNvSpPr>
-          <p:nvPr>
-            <p:ph type="title"/>
-          </p:nvPr>
-        </p:nvSpPr>
-        <p:spPr>
-          <a:xfrm>
-            <a:off x="399378" y="220170"/>
-            <a:ext cx="7864512" cy="1563806"/>
-          </a:xfrm>
-        </p:spPr>
-        <p:txBody>
-          <a:bodyPr rtlCol="0">
-            <a:normAutofit fontScale="90000"/>
-          </a:bodyPr>
-          <a:lstStyle/>
-          <a:p>
-            <a:r>
-              <a:rPr lang="es-VE" dirty="0">
-                <a:latin typeface="Rockwell" panose="02060603020205020403" pitchFamily="18" charset="0"/>
-              </a:rPr>
-              <a:t>2. EL VALOR DE LA DOCTRINA</a:t>
-            </a:r>
-            <a:br>
-              <a:rPr lang="es-VE" dirty="0">
-                <a:latin typeface="Rockwell" panose="02060603020205020403" pitchFamily="18" charset="0"/>
-              </a:rPr>
-            </a:br>
-            <a:r>
-              <a:rPr lang="es-VE" sz="2200" dirty="0">
-                <a:latin typeface="Rockwell" panose="02060603020205020403" pitchFamily="18" charset="0"/>
-              </a:rPr>
-              <a:t>2.1. El conocimiento doctrinal proporciona lo necesario para una exposición correcta de la verdad</a:t>
-            </a:r>
-            <a:br>
-              <a:rPr lang="es-VE" dirty="0">
-                <a:latin typeface="Rockwell" panose="02060603020205020403" pitchFamily="18" charset="0"/>
-              </a:rPr>
-            </a:br>
-            <a:endParaRPr lang="es-ES" dirty="0">
-              <a:latin typeface="Rockwell" panose="02060603020205020403" pitchFamily="18" charset="0"/>
-            </a:endParaRPr>
-          </a:p>
-        </p:txBody>
-      </p:sp>
-      <p:graphicFrame>
-        <p:nvGraphicFramePr>
-          <p:cNvPr id="4" name="Marcador de contenido 3">
-            <a:extLst>
-              <a:ext uri="{FF2B5EF4-FFF2-40B4-BE49-F238E27FC236}">
-                <a16:creationId xmlns:a16="http://schemas.microsoft.com/office/drawing/2014/main" id="{31F44B22-324B-4DE8-B32C-85312184904C}"/>
-              </a:ext>
-            </a:extLst>
-          </p:cNvPr>
-          <p:cNvGraphicFramePr>
-            <a:graphicFrameLocks noGrp="1"/>
-          </p:cNvGraphicFramePr>
-          <p:nvPr>
-            <p:ph idx="1"/>
-            <p:extLst>
-              <p:ext uri="{D42A27DB-BD31-4B8C-83A1-F6EECF244321}">
-                <p14:modId xmlns:p14="http://schemas.microsoft.com/office/powerpoint/2010/main" val="3459990654"/>
-              </p:ext>
-            </p:extLst>
-          </p:nvPr>
-        </p:nvGraphicFramePr>
-        <p:xfrm>
-          <a:off x="376518" y="1434352"/>
-          <a:ext cx="8368104" cy="3726180"/>
-        </p:xfrm>
-        <a:graphic>
-          <a:graphicData uri="http://schemas.openxmlformats.org/drawingml/2006/table">
-            <a:tbl>
-              <a:tblPr firstRow="1" bandRow="1">
-                <a:tableStyleId>{5C22544A-7EE6-4342-B048-85BDC9FD1C3A}</a:tableStyleId>
-              </a:tblPr>
-              <a:tblGrid>
-                <a:gridCol w="8368104">
-                  <a:extLst>
-                    <a:ext uri="{9D8B030D-6E8A-4147-A177-3AD203B41FA5}">
-                      <a16:colId xmlns:a16="http://schemas.microsoft.com/office/drawing/2014/main" val="743422230"/>
-                    </a:ext>
-                  </a:extLst>
-                </a:gridCol>
-              </a:tblGrid>
-              <a:tr h="3567951">
-                <a:tc>
-                  <a:txBody>
-                    <a:bodyPr/>
-                    <a:lstStyle/>
-                    <a:p>
-                      <a:pPr rtl="0"/>
-                      <a:r>
-                        <a:rPr lang="es-VE" sz="2000" b="0" i="0" u="none" strike="noStrike" kern="1200" baseline="0" dirty="0">
-                          <a:solidFill>
-                            <a:schemeClr val="lt1"/>
-                          </a:solidFill>
-                          <a:latin typeface="+mn-lt"/>
-                          <a:ea typeface="+mn-ea"/>
-                          <a:cs typeface="+mn-cs"/>
-                        </a:rPr>
-                        <a:t>Toda persona tiene su </a:t>
-                      </a:r>
-                      <a:r>
-                        <a:rPr lang="es-VE" sz="2000" b="1" i="0" u="none" strike="noStrike" kern="1200" baseline="0" dirty="0">
-                          <a:solidFill>
-                            <a:schemeClr val="lt1"/>
-                          </a:solidFill>
-                          <a:highlight>
-                            <a:srgbClr val="808000"/>
-                          </a:highlight>
-                          <a:latin typeface="+mn-lt"/>
-                          <a:ea typeface="+mn-ea"/>
-                          <a:cs typeface="+mn-cs"/>
-                        </a:rPr>
-                        <a:t>teología</a:t>
-                      </a:r>
-                      <a:r>
-                        <a:rPr lang="es-VE" sz="2000" b="0" i="0" u="none" strike="noStrike" kern="1200" baseline="0" dirty="0">
-                          <a:solidFill>
-                            <a:schemeClr val="lt1"/>
-                          </a:solidFill>
-                          <a:latin typeface="+mn-lt"/>
-                          <a:ea typeface="+mn-ea"/>
-                          <a:cs typeface="+mn-cs"/>
-                        </a:rPr>
-                        <a:t>, lo sepa o no; las acciones y conducta del hombre están influidas por lo que cree.</a:t>
-                      </a:r>
-                    </a:p>
-                    <a:p>
-                      <a:pPr rtl="0"/>
-                      <a:endParaRPr lang="es-VE" sz="2000" b="0" i="0" u="none" strike="noStrike" kern="1200" baseline="0" dirty="0">
+                          <a:latin typeface="+mn-lt"/>
+                          <a:ea typeface="+mn-ea"/>
+                          <a:cs typeface="+mn-cs"/>
+                        </a:rPr>
+                        <a:t>Todo esto con el objetivo de profundizar en el conocimiento de Dios y su relación con la humanidad.</a:t>
+                      </a:r>
+                      <a:endParaRPr lang="es-VE" sz="2300" b="0" i="0" u="none" strike="noStrike" kern="1200" baseline="0" dirty="0">
                         <a:solidFill>
                           <a:schemeClr val="lt1"/>
                         </a:solidFill>
@@ -10138,67 +8740,6 @@
                         <a:ea typeface="+mn-ea"/>
                         <a:cs typeface="+mn-cs"/>
                       </a:endParaRPr>
-                    </a:p>
-                    <a:p>
-                      <a:pPr lvl="1" rtl="0"/>
-                      <a:r>
-                        <a:rPr lang="es-VE" sz="2000" b="1" i="0" u="none" strike="noStrike" kern="1200" baseline="0" dirty="0">
-                          <a:solidFill>
-                            <a:schemeClr val="lt1"/>
-                          </a:solidFill>
-                          <a:latin typeface="+mn-lt"/>
-                          <a:ea typeface="+mn-ea"/>
-                          <a:cs typeface="+mn-cs"/>
-                        </a:rPr>
-                        <a:t>Por ejemplo</a:t>
-                      </a:r>
-                      <a:r>
-                        <a:rPr lang="es-VE" sz="2000" b="0" i="0" u="none" strike="noStrike" kern="1200" baseline="0" dirty="0">
-                          <a:solidFill>
-                            <a:schemeClr val="lt1"/>
-                          </a:solidFill>
-                          <a:latin typeface="+mn-lt"/>
-                          <a:ea typeface="+mn-ea"/>
-                          <a:cs typeface="+mn-cs"/>
-                        </a:rPr>
-                        <a:t>, </a:t>
-                      </a:r>
-                      <a:r>
-                        <a:rPr lang="es-VE" sz="2000" b="0" i="1" u="none" strike="noStrike" kern="1200" baseline="0" dirty="0">
-                          <a:solidFill>
-                            <a:schemeClr val="lt1"/>
-                          </a:solidFill>
-                          <a:latin typeface="+mn-lt"/>
-                          <a:ea typeface="+mn-ea"/>
-                          <a:cs typeface="+mn-cs"/>
-                        </a:rPr>
-                        <a:t>habría mucha diferencia entre el comportamiento de una tripulación que supiera que su embarcación se dirigía a un destino definido, y otra que se diera cuenta que navegaba a la deriva, sin derrotero o destino fijos.</a:t>
-                      </a:r>
-                    </a:p>
-                    <a:p>
-                      <a:pPr rtl="0"/>
-                      <a:endParaRPr lang="es-VE" sz="2000" b="0" i="0" u="none" strike="noStrike" kern="1200" baseline="0" dirty="0">
-                        <a:solidFill>
-                          <a:schemeClr val="lt1"/>
-                        </a:solidFill>
-                        <a:latin typeface="+mn-lt"/>
-                        <a:ea typeface="+mn-ea"/>
-                        <a:cs typeface="+mn-cs"/>
-                      </a:endParaRPr>
-                    </a:p>
-                    <a:p>
-                      <a:pPr rtl="0"/>
-                      <a:r>
-                        <a:rPr lang="es-VE" sz="2000" b="0" i="0" u="none" strike="noStrike" kern="1200" baseline="0" dirty="0">
-                          <a:solidFill>
-                            <a:schemeClr val="lt1"/>
-                          </a:solidFill>
-                          <a:latin typeface="+mn-lt"/>
-                          <a:ea typeface="+mn-ea"/>
-                          <a:cs typeface="+mn-cs"/>
-                        </a:rPr>
-                        <a:t>La vida del hombre es un viaje a la eternidad, y tiene gran importancia el que uno crea que se trata de un viaje sin destino ni significado, o que uno esté convencido que ha sido planeado por el Creador del hombre, y que tiene como destino el cielo.</a:t>
-                      </a:r>
                     </a:p>
                   </a:txBody>
                   <a:tcPr marL="68580" marR="68580" marT="34290" marB="34290" anchor="ctr"/>
@@ -10241,7 +8782,7 @@
         </p:blipFill>
         <p:spPr>
           <a:xfrm>
-            <a:off x="8221307" y="565604"/>
+            <a:off x="9147294" y="441390"/>
             <a:ext cx="523315" cy="523315"/>
           </a:xfrm>
           <a:prstGeom prst="rect">
@@ -10252,7 +8793,7 @@
     </p:spTree>
     <p:extLst>
       <p:ext uri="{BB962C8B-B14F-4D97-AF65-F5344CB8AC3E}">
-        <p14:creationId xmlns:p14="http://schemas.microsoft.com/office/powerpoint/2010/main" val="251071223"/>
+        <p14:creationId xmlns:p14="http://schemas.microsoft.com/office/powerpoint/2010/main" val="4044239426"/>
       </p:ext>
     </p:extLst>
   </p:cSld>
@@ -10262,7 +8803,7 @@
 </p:sld>
 </file>
 
-<file path=ppt/slides/slide7.xml><?xml version="1.0" encoding="utf-8"?>
+<file path=ppt/slides/slide5.xml><?xml version="1.0" encoding="utf-8"?>
 <p:sld xmlns:a="http://schemas.openxmlformats.org/drawingml/2006/main" xmlns:r="http://schemas.openxmlformats.org/officeDocument/2006/relationships" xmlns:p="http://schemas.openxmlformats.org/presentationml/2006/main">
   <p:cSld>
     <p:spTree>
@@ -10297,8 +8838,8 @@
         </p:nvSpPr>
         <p:spPr>
           <a:xfrm>
-            <a:off x="399378" y="249668"/>
-            <a:ext cx="7864512" cy="1095038"/>
+            <a:off x="1001276" y="651913"/>
+            <a:ext cx="8146018" cy="863486"/>
           </a:xfrm>
         </p:spPr>
         <p:txBody>
@@ -10311,7 +8852,7 @@
               <a:rPr lang="es-VE" dirty="0">
                 <a:latin typeface="Rockwell" panose="02060603020205020403" pitchFamily="18" charset="0"/>
               </a:rPr>
-              <a:t>2. EL VALOR DE LA DOCTRINA</a:t>
+              <a:t>1. ORIGEN DE LA DOCTRINA</a:t>
             </a:r>
             <a:br>
               <a:rPr lang="es-VE" dirty="0">
@@ -10319,10 +8860,10 @@
               </a:rPr>
             </a:br>
             <a:r>
-              <a:rPr lang="es-VE" sz="2000" dirty="0">
+              <a:rPr lang="es-ES" sz="2000" dirty="0">
                 <a:latin typeface="Rockwell" panose="02060603020205020403" pitchFamily="18" charset="0"/>
               </a:rPr>
-              <a:t>2.2. El conocimiento doctrinal es esencial para el desarrollo completo del carácter cristiano</a:t>
+              <a:t>1.3. Diferencia entre dogma y doctrina cristiana</a:t>
             </a:r>
             <a:endParaRPr lang="es-ES" dirty="0">
               <a:latin typeface="Rockwell" panose="02060603020205020403" pitchFamily="18" charset="0"/>
@@ -10346,14 +8887,14 @@
             <p:ph idx="1"/>
             <p:extLst>
               <p:ext uri="{D42A27DB-BD31-4B8C-83A1-F6EECF244321}">
-                <p14:modId xmlns:p14="http://schemas.microsoft.com/office/powerpoint/2010/main" val="3425794499"/>
+                <p14:modId xmlns:p14="http://schemas.microsoft.com/office/powerpoint/2010/main" val="593518934"/>
               </p:ext>
             </p:extLst>
           </p:nvPr>
         </p:nvGraphicFramePr>
         <p:xfrm>
-          <a:off x="376518" y="1344706"/>
-          <a:ext cx="8368104" cy="4025153"/>
+          <a:off x="1001276" y="1845452"/>
+          <a:ext cx="8157448" cy="3083736"/>
         </p:xfrm>
         <a:graphic>
           <a:graphicData uri="http://schemas.openxmlformats.org/drawingml/2006/table">
@@ -10362,7 +8903,7 @@
                 <a:tableStyleId>{5C22544A-7EE6-4342-B048-85BDC9FD1C3A}</a:tableStyleId>
               </a:tblPr>
               <a:tblGrid>
-                <a:gridCol w="8368104">
+                <a:gridCol w="8157448">
                   <a:extLst>
                     <a:ext uri="{9D8B030D-6E8A-4147-A177-3AD203B41FA5}">
                       <a16:colId xmlns:a16="http://schemas.microsoft.com/office/drawing/2014/main" val="743422230"/>
@@ -10370,15 +8911,42 @@
                   </a:extLst>
                 </a:gridCol>
               </a:tblGrid>
-              <a:tr h="4025153">
+              <a:tr h="3083736">
                 <a:tc>
                   <a:txBody>
                     <a:bodyPr/>
                     <a:lstStyle/>
                     <a:p>
-                      <a:pPr rtl="0"/>
-                      <a:r>
-                        <a:rPr lang="es-VE" sz="4800" b="1" i="0" u="none" strike="noStrike" kern="1200" baseline="0" dirty="0">
+                      <a:pPr marL="0" marR="0" lvl="0" indent="0" algn="l" defTabSz="914400" rtl="0" eaLnBrk="1" fontAlgn="auto" latinLnBrk="0" hangingPunct="1">
+                        <a:lnSpc>
+                          <a:spcPct val="100000"/>
+                        </a:lnSpc>
+                        <a:spcBef>
+                          <a:spcPts val="0"/>
+                        </a:spcBef>
+                        <a:spcAft>
+                          <a:spcPts val="0"/>
+                        </a:spcAft>
+                        <a:buClrTx/>
+                        <a:buSzTx/>
+                        <a:buFont typeface="Wingdings" panose="05000000000000000000" pitchFamily="2" charset="2"/>
+                        <a:buNone/>
+                        <a:tabLst/>
+                        <a:defRPr/>
+                      </a:pPr>
+                      <a:r>
+                        <a:rPr lang="es-ES" sz="2400" b="1" i="0" u="none" strike="noStrike" kern="1200" baseline="0" dirty="0">
+                          <a:solidFill>
+                            <a:srgbClr val="92D050"/>
+                          </a:solidFill>
+                          <a:latin typeface="+mn-lt"/>
+                          <a:ea typeface="+mn-ea"/>
+                          <a:cs typeface="+mn-cs"/>
+                        </a:rPr>
+                        <a:t>Doctrina</a:t>
+                      </a:r>
+                      <a:r>
+                        <a:rPr lang="es-ES" sz="2400" b="1" i="0" u="none" strike="noStrike" kern="1200" baseline="0" dirty="0">
                           <a:solidFill>
                             <a:schemeClr val="lt1"/>
                           </a:solidFill>
@@ -10386,10 +8954,10 @@
                           <a:ea typeface="+mn-ea"/>
                           <a:cs typeface="+mn-cs"/>
                         </a:rPr>
-                        <a:t>Sólidas creencias </a:t>
-                      </a:r>
-                      <a:r>
-                        <a:rPr lang="es-VE" sz="4800" b="0" i="0" u="none" strike="noStrike" kern="1200" baseline="0" dirty="0">
+                        <a:t>:</a:t>
+                      </a:r>
+                      <a:r>
+                        <a:rPr lang="es-ES" sz="2400" b="0" i="0" u="none" strike="noStrike" kern="1200" baseline="0" dirty="0">
                           <a:solidFill>
                             <a:schemeClr val="lt1"/>
                           </a:solidFill>
@@ -10397,24 +8965,78 @@
                           <a:ea typeface="+mn-ea"/>
                           <a:cs typeface="+mn-cs"/>
                         </a:rPr>
-                        <a:t>desarrollan un </a:t>
-                      </a:r>
-                      <a:r>
-                        <a:rPr lang="es-VE" sz="4800" b="0" i="0" u="none" strike="noStrike" kern="1200" baseline="0" dirty="0">
+                        <a:t> Es la revelación de Dios de una verdad tal como se encuentra en las escrituras sagradas.</a:t>
+                      </a:r>
+                    </a:p>
+                    <a:p>
+                      <a:pPr marL="0" marR="0" lvl="0" indent="0" algn="l" defTabSz="914400" rtl="0" eaLnBrk="1" fontAlgn="auto" latinLnBrk="0" hangingPunct="1">
+                        <a:lnSpc>
+                          <a:spcPct val="100000"/>
+                        </a:lnSpc>
+                        <a:spcBef>
+                          <a:spcPts val="0"/>
+                        </a:spcBef>
+                        <a:spcAft>
+                          <a:spcPts val="0"/>
+                        </a:spcAft>
+                        <a:buClrTx/>
+                        <a:buSzTx/>
+                        <a:buFont typeface="Wingdings" panose="05000000000000000000" pitchFamily="2" charset="2"/>
+                        <a:buNone/>
+                        <a:tabLst/>
+                        <a:defRPr/>
+                      </a:pPr>
+                      <a:endParaRPr lang="es-ES" sz="2400" b="0" i="0" u="none" strike="noStrike" kern="1200" baseline="0" dirty="0">
+                        <a:solidFill>
+                          <a:schemeClr val="lt1"/>
+                        </a:solidFill>
+                        <a:latin typeface="+mn-lt"/>
+                        <a:ea typeface="+mn-ea"/>
+                        <a:cs typeface="+mn-cs"/>
+                      </a:endParaRPr>
+                    </a:p>
+                    <a:p>
+                      <a:pPr marL="0" marR="0" lvl="0" indent="0" algn="l" defTabSz="914400" rtl="0" eaLnBrk="1" fontAlgn="auto" latinLnBrk="0" hangingPunct="1">
+                        <a:lnSpc>
+                          <a:spcPct val="100000"/>
+                        </a:lnSpc>
+                        <a:spcBef>
+                          <a:spcPts val="0"/>
+                        </a:spcBef>
+                        <a:spcAft>
+                          <a:spcPts val="0"/>
+                        </a:spcAft>
+                        <a:buClrTx/>
+                        <a:buSzTx/>
+                        <a:buFont typeface="Wingdings" panose="05000000000000000000" pitchFamily="2" charset="2"/>
+                        <a:buNone/>
+                        <a:tabLst/>
+                        <a:defRPr/>
+                      </a:pPr>
+                      <a:r>
+                        <a:rPr lang="es-ES" sz="2400" b="1" i="0" u="none" strike="noStrike" kern="1200" baseline="0" dirty="0">
+                          <a:solidFill>
+                            <a:srgbClr val="F69494"/>
+                          </a:solidFill>
+                          <a:latin typeface="+mn-lt"/>
+                          <a:ea typeface="+mn-ea"/>
+                          <a:cs typeface="+mn-cs"/>
+                        </a:rPr>
+                        <a:t>Dogma</a:t>
+                      </a:r>
+                      <a:r>
+                        <a:rPr lang="es-ES" sz="2400" b="1" i="0" u="none" strike="noStrike" kern="1200" baseline="0" dirty="0">
                           <a:solidFill>
                             <a:schemeClr val="lt1"/>
                           </a:solidFill>
-                          <a:highlight>
-                            <a:srgbClr val="808000"/>
-                          </a:highlight>
-                          <a:latin typeface="+mn-lt"/>
-                          <a:ea typeface="+mn-ea"/>
-                          <a:cs typeface="+mn-cs"/>
-                        </a:rPr>
-                        <a:t>carácter sólido</a:t>
-                      </a:r>
-                      <a:r>
-                        <a:rPr lang="es-VE" sz="4800" b="0" i="0" u="none" strike="noStrike" kern="1200" baseline="0" dirty="0">
+                          <a:latin typeface="+mn-lt"/>
+                          <a:ea typeface="+mn-ea"/>
+                          <a:cs typeface="+mn-cs"/>
+                        </a:rPr>
+                        <a:t>:</a:t>
+                      </a:r>
+                      <a:r>
+                        <a:rPr lang="es-ES" sz="2400" b="0" i="0" u="none" strike="noStrike" kern="1200" baseline="0" dirty="0">
                           <a:solidFill>
                             <a:schemeClr val="lt1"/>
                           </a:solidFill>
@@ -10422,32 +9044,7 @@
                           <a:ea typeface="+mn-ea"/>
                           <a:cs typeface="+mn-cs"/>
                         </a:rPr>
-                        <a:t>, y asimismo creencias bien definidas forman también </a:t>
-                      </a:r>
-                      <a:r>
-                        <a:rPr lang="es-VE" sz="4800" b="0" i="0" u="none" strike="noStrike" kern="1200" baseline="0" dirty="0">
-                          <a:solidFill>
-                            <a:schemeClr val="lt1"/>
-                          </a:solidFill>
-                          <a:highlight>
-                            <a:srgbClr val="808000"/>
-                          </a:highlight>
-                          <a:latin typeface="+mn-lt"/>
-                          <a:ea typeface="+mn-ea"/>
-                          <a:cs typeface="+mn-cs"/>
-                        </a:rPr>
-                        <a:t>convicciones claras</a:t>
-                      </a:r>
-                      <a:r>
-                        <a:rPr lang="es-VE" sz="4800" b="0" i="0" u="none" strike="noStrike" kern="1200" baseline="0" dirty="0">
-                          <a:solidFill>
-                            <a:schemeClr val="lt1"/>
-                          </a:solidFill>
-                          <a:latin typeface="+mn-lt"/>
-                          <a:ea typeface="+mn-ea"/>
-                          <a:cs typeface="+mn-cs"/>
-                        </a:rPr>
-                        <a:t>, bien definidas.</a:t>
+                        <a:t> Es la declaración del hombre con respecto de esa verdad, expresada en concilios eclesiásticos o declaraciones oficiales de autoridades religiosas.</a:t>
                       </a:r>
                     </a:p>
                   </a:txBody>
@@ -10491,7 +9088,7 @@
         </p:blipFill>
         <p:spPr>
           <a:xfrm>
-            <a:off x="8221307" y="565604"/>
+            <a:off x="9147294" y="390256"/>
             <a:ext cx="523315" cy="523315"/>
           </a:xfrm>
           <a:prstGeom prst="rect">
@@ -10502,7 +9099,7 @@
     </p:spTree>
     <p:extLst>
       <p:ext uri="{BB962C8B-B14F-4D97-AF65-F5344CB8AC3E}">
-        <p14:creationId xmlns:p14="http://schemas.microsoft.com/office/powerpoint/2010/main" val="3367834234"/>
+        <p14:creationId xmlns:p14="http://schemas.microsoft.com/office/powerpoint/2010/main" val="3942404586"/>
       </p:ext>
     </p:extLst>
   </p:cSld>
@@ -10512,7 +9109,7 @@
 </p:sld>
 </file>
 
-<file path=ppt/slides/slide8.xml><?xml version="1.0" encoding="utf-8"?>
+<file path=ppt/slides/slide6.xml><?xml version="1.0" encoding="utf-8"?>
 <p:sld xmlns:a="http://schemas.openxmlformats.org/drawingml/2006/main" xmlns:r="http://schemas.openxmlformats.org/officeDocument/2006/relationships" xmlns:p="http://schemas.openxmlformats.org/presentationml/2006/main">
   <p:cSld>
     <p:spTree>
@@ -10547,7 +9144,7 @@
         </p:nvSpPr>
         <p:spPr>
           <a:xfrm>
-            <a:off x="399378" y="249668"/>
+            <a:off x="907378" y="249668"/>
             <a:ext cx="7864512" cy="1095038"/>
           </a:xfrm>
         </p:spPr>
@@ -10572,7 +9169,7 @@
               <a:rPr lang="es-VE" sz="2000" dirty="0">
                 <a:latin typeface="Rockwell" panose="02060603020205020403" pitchFamily="18" charset="0"/>
               </a:rPr>
-              <a:t>2.3. El conocimiento doctrinal protege del error</a:t>
+              <a:t>2.1. El conocimiento doctrinal protege del error</a:t>
             </a:r>
             <a:endParaRPr lang="es-ES" dirty="0">
               <a:latin typeface="Rockwell" panose="02060603020205020403" pitchFamily="18" charset="0"/>
@@ -10602,7 +9199,7 @@
           </p:nvPr>
         </p:nvGraphicFramePr>
         <p:xfrm>
-          <a:off x="399378" y="1344705"/>
+          <a:off x="907378" y="1344706"/>
           <a:ext cx="8345244" cy="4011065"/>
         </p:xfrm>
         <a:graphic>
@@ -10788,7 +9385,7 @@
         </p:blipFill>
         <p:spPr>
           <a:xfrm>
-            <a:off x="8221307" y="565604"/>
+            <a:off x="8729308" y="565605"/>
             <a:ext cx="523315" cy="523315"/>
           </a:xfrm>
           <a:prstGeom prst="rect">
@@ -10809,7 +9406,7 @@
 </p:sld>
 </file>
 
-<file path=ppt/slides/slide9.xml><?xml version="1.0" encoding="utf-8"?>
+<file path=ppt/slides/slide7.xml><?xml version="1.0" encoding="utf-8"?>
 <p:sld xmlns:a="http://schemas.openxmlformats.org/drawingml/2006/main" xmlns:r="http://schemas.openxmlformats.org/officeDocument/2006/relationships" xmlns:p="http://schemas.openxmlformats.org/presentationml/2006/main">
   <p:cSld>
     <p:spTree>
@@ -10844,13 +9441,13 @@
         </p:nvSpPr>
         <p:spPr>
           <a:xfrm>
-            <a:off x="399378" y="249667"/>
+            <a:off x="907378" y="249668"/>
             <a:ext cx="7864512" cy="1274333"/>
           </a:xfrm>
         </p:spPr>
         <p:txBody>
           <a:bodyPr rtlCol="0">
-            <a:normAutofit fontScale="90000"/>
+            <a:normAutofit/>
           </a:bodyPr>
           <a:lstStyle/>
           <a:p>
@@ -10869,22 +9466,7 @@
               <a:rPr lang="es-VE" sz="2000" dirty="0">
                 <a:latin typeface="Rockwell" panose="02060603020205020403" pitchFamily="18" charset="0"/>
               </a:rPr>
-              <a:t>2.4. El conocimiento doctrinal es parte necesaria del bagaje </a:t>
-            </a:r>
-            <a:r>
-              <a:rPr lang="es-VE" sz="2000" i="1" dirty="0">
-                <a:solidFill>
-                  <a:srgbClr val="00B050"/>
-                </a:solidFill>
-                <a:latin typeface="Rockwell" panose="02060603020205020403" pitchFamily="18" charset="0"/>
-              </a:rPr>
-              <a:t>(Equipo o conjunto de cosas que una persona lleva consigo cuando viaja o se traslada de un lugar a otro)</a:t>
-            </a:r>
-            <a:r>
-              <a:rPr lang="es-VE" sz="2000" dirty="0">
-                <a:latin typeface="Rockwell" panose="02060603020205020403" pitchFamily="18" charset="0"/>
-              </a:rPr>
-              <a:t> del maestro cristiano.</a:t>
+              <a:t>2.2. El conocimiento doctrinal es parte necesaria de las herramientas del maestro cristiano.</a:t>
             </a:r>
             <a:endParaRPr lang="es-ES" dirty="0">
               <a:latin typeface="Rockwell" panose="02060603020205020403" pitchFamily="18" charset="0"/>
@@ -10914,7 +9496,7 @@
           </p:nvPr>
         </p:nvGraphicFramePr>
         <p:xfrm>
-          <a:off x="399378" y="1524001"/>
+          <a:off x="907378" y="1524001"/>
           <a:ext cx="8345244" cy="3712624"/>
         </p:xfrm>
         <a:graphic>
@@ -11075,7 +9657,7 @@
         </p:blipFill>
         <p:spPr>
           <a:xfrm>
-            <a:off x="8221307" y="565604"/>
+            <a:off x="8729308" y="565605"/>
             <a:ext cx="523315" cy="523315"/>
           </a:xfrm>
           <a:prstGeom prst="rect">
@@ -11087,6 +9669,694 @@
     <p:extLst>
       <p:ext uri="{BB962C8B-B14F-4D97-AF65-F5344CB8AC3E}">
         <p14:creationId xmlns:p14="http://schemas.microsoft.com/office/powerpoint/2010/main" val="1863111564"/>
+      </p:ext>
+    </p:extLst>
+  </p:cSld>
+  <p:clrMapOvr>
+    <a:masterClrMapping/>
+  </p:clrMapOvr>
+</p:sld>
+</file>
+
+<file path=ppt/slides/slide8.xml><?xml version="1.0" encoding="utf-8"?>
+<p:sld xmlns:a="http://schemas.openxmlformats.org/drawingml/2006/main" xmlns:r="http://schemas.openxmlformats.org/officeDocument/2006/relationships" xmlns:p="http://schemas.openxmlformats.org/presentationml/2006/main">
+  <p:cSld>
+    <p:spTree>
+      <p:nvGrpSpPr>
+        <p:cNvPr id="1" name=""/>
+        <p:cNvGrpSpPr/>
+        <p:nvPr/>
+      </p:nvGrpSpPr>
+      <p:grpSpPr>
+        <a:xfrm>
+          <a:off x="0" y="0"/>
+          <a:ext cx="0" cy="0"/>
+          <a:chOff x="0" y="0"/>
+          <a:chExt cx="0" cy="0"/>
+        </a:xfrm>
+      </p:grpSpPr>
+      <p:sp>
+        <p:nvSpPr>
+          <p:cNvPr id="2" name="Título 1">
+            <a:extLst>
+              <a:ext uri="{FF2B5EF4-FFF2-40B4-BE49-F238E27FC236}">
+                <a16:creationId xmlns:a16="http://schemas.microsoft.com/office/drawing/2014/main" id="{F2153DD3-C27C-457D-ADDD-066D01CB95CA}"/>
+              </a:ext>
+            </a:extLst>
+          </p:cNvPr>
+          <p:cNvSpPr>
+            <a:spLocks noGrp="1"/>
+          </p:cNvSpPr>
+          <p:nvPr>
+            <p:ph type="title"/>
+          </p:nvPr>
+        </p:nvSpPr>
+        <p:spPr>
+          <a:xfrm>
+            <a:off x="907378" y="249668"/>
+            <a:ext cx="7864512" cy="1095038"/>
+          </a:xfrm>
+        </p:spPr>
+        <p:txBody>
+          <a:bodyPr rtlCol="0">
+            <a:normAutofit/>
+          </a:bodyPr>
+          <a:lstStyle/>
+          <a:p>
+            <a:r>
+              <a:rPr lang="es-VE" sz="3200" dirty="0">
+                <a:latin typeface="Rockwell" panose="02060603020205020403" pitchFamily="18" charset="0"/>
+              </a:rPr>
+              <a:t>3. LA CLASIFICACION DE LA DOCTRINA</a:t>
+            </a:r>
+            <a:endParaRPr lang="es-ES" sz="3200" dirty="0">
+              <a:latin typeface="Rockwell" panose="02060603020205020403" pitchFamily="18" charset="0"/>
+            </a:endParaRPr>
+          </a:p>
+        </p:txBody>
+      </p:sp>
+      <p:graphicFrame>
+        <p:nvGraphicFramePr>
+          <p:cNvPr id="4" name="Marcador de contenido 3">
+            <a:extLst>
+              <a:ext uri="{FF2B5EF4-FFF2-40B4-BE49-F238E27FC236}">
+                <a16:creationId xmlns:a16="http://schemas.microsoft.com/office/drawing/2014/main" id="{31F44B22-324B-4DE8-B32C-85312184904C}"/>
+              </a:ext>
+            </a:extLst>
+          </p:cNvPr>
+          <p:cNvGraphicFramePr>
+            <a:graphicFrameLocks noGrp="1"/>
+          </p:cNvGraphicFramePr>
+          <p:nvPr>
+            <p:ph idx="1"/>
+            <p:extLst>
+              <p:ext uri="{D42A27DB-BD31-4B8C-83A1-F6EECF244321}">
+                <p14:modId xmlns:p14="http://schemas.microsoft.com/office/powerpoint/2010/main" val="3816284440"/>
+              </p:ext>
+            </p:extLst>
+          </p:nvPr>
+        </p:nvGraphicFramePr>
+        <p:xfrm>
+          <a:off x="907378" y="1551082"/>
+          <a:ext cx="8345244" cy="3598314"/>
+        </p:xfrm>
+        <a:graphic>
+          <a:graphicData uri="http://schemas.openxmlformats.org/drawingml/2006/table">
+            <a:tbl>
+              <a:tblPr firstRow="1" bandRow="1">
+                <a:tableStyleId>{5C22544A-7EE6-4342-B048-85BDC9FD1C3A}</a:tableStyleId>
+              </a:tblPr>
+              <a:tblGrid>
+                <a:gridCol w="8345244">
+                  <a:extLst>
+                    <a:ext uri="{9D8B030D-6E8A-4147-A177-3AD203B41FA5}">
+                      <a16:colId xmlns:a16="http://schemas.microsoft.com/office/drawing/2014/main" val="743422230"/>
+                    </a:ext>
+                  </a:extLst>
+                </a:gridCol>
+              </a:tblGrid>
+              <a:tr h="3598314">
+                <a:tc>
+                  <a:txBody>
+                    <a:bodyPr/>
+                    <a:lstStyle/>
+                    <a:p>
+                      <a:pPr rtl="0"/>
+                      <a:r>
+                        <a:rPr lang="es-VE" sz="3200" b="0" i="0" u="none" strike="noStrike" kern="1200" baseline="0" dirty="0">
+                          <a:solidFill>
+                            <a:schemeClr val="lt1"/>
+                          </a:solidFill>
+                          <a:latin typeface="+mn-lt"/>
+                          <a:ea typeface="+mn-ea"/>
+                          <a:cs typeface="+mn-cs"/>
+                        </a:rPr>
+                        <a:t>La </a:t>
+                      </a:r>
+                      <a:r>
+                        <a:rPr lang="es-VE" sz="3200" b="1" i="0" u="none" strike="noStrike" kern="1200" baseline="0" dirty="0">
+                          <a:solidFill>
+                            <a:schemeClr val="lt1"/>
+                          </a:solidFill>
+                          <a:latin typeface="+mn-lt"/>
+                          <a:ea typeface="+mn-ea"/>
+                          <a:cs typeface="+mn-cs"/>
+                        </a:rPr>
+                        <a:t>teología</a:t>
+                      </a:r>
+                      <a:r>
+                        <a:rPr lang="es-VE" sz="3200" b="0" i="0" u="none" strike="noStrike" kern="1200" baseline="0" dirty="0">
+                          <a:solidFill>
+                            <a:schemeClr val="lt1"/>
+                          </a:solidFill>
+                          <a:latin typeface="+mn-lt"/>
+                          <a:ea typeface="+mn-ea"/>
+                          <a:cs typeface="+mn-cs"/>
+                        </a:rPr>
+                        <a:t> se divide en </a:t>
+                      </a:r>
+                      <a:r>
+                        <a:rPr lang="es-VE" sz="3200" b="1" i="0" u="none" strike="noStrike" kern="1200" baseline="0" dirty="0">
+                          <a:solidFill>
+                            <a:schemeClr val="lt1"/>
+                          </a:solidFill>
+                          <a:latin typeface="+mn-lt"/>
+                          <a:ea typeface="+mn-ea"/>
+                          <a:cs typeface="+mn-cs"/>
+                        </a:rPr>
+                        <a:t>varios ramos</a:t>
+                      </a:r>
+                      <a:r>
+                        <a:rPr lang="es-VE" sz="3200" b="0" i="0" u="none" strike="noStrike" kern="1200" baseline="0" dirty="0">
+                          <a:solidFill>
+                            <a:schemeClr val="lt1"/>
+                          </a:solidFill>
+                          <a:latin typeface="+mn-lt"/>
+                          <a:ea typeface="+mn-ea"/>
+                          <a:cs typeface="+mn-cs"/>
+                        </a:rPr>
+                        <a:t>, a saber:</a:t>
+                      </a:r>
+                      <a:endParaRPr lang="es-VE" sz="900" b="1" i="0" u="none" strike="noStrike" kern="1200" baseline="0" dirty="0">
+                        <a:solidFill>
+                          <a:schemeClr val="lt1"/>
+                        </a:solidFill>
+                        <a:latin typeface="+mn-lt"/>
+                        <a:ea typeface="+mn-ea"/>
+                        <a:cs typeface="+mn-cs"/>
+                      </a:endParaRPr>
+                    </a:p>
+                    <a:p>
+                      <a:pPr lvl="1" rtl="0"/>
+                      <a:endParaRPr lang="es-VE" sz="1400" b="1" i="0" u="none" strike="noStrike" kern="1200" baseline="0" dirty="0">
+                        <a:solidFill>
+                          <a:schemeClr val="lt1"/>
+                        </a:solidFill>
+                        <a:latin typeface="+mn-lt"/>
+                        <a:ea typeface="+mn-ea"/>
+                        <a:cs typeface="+mn-cs"/>
+                      </a:endParaRPr>
+                    </a:p>
+                    <a:p>
+                      <a:pPr lvl="1" rtl="0"/>
+                      <a:r>
+                        <a:rPr lang="es-VE" sz="3600" b="1" i="0" u="none" strike="noStrike" kern="1200" baseline="0" dirty="0">
+                          <a:solidFill>
+                            <a:schemeClr val="lt1"/>
+                          </a:solidFill>
+                          <a:latin typeface="+mn-lt"/>
+                          <a:ea typeface="+mn-ea"/>
+                          <a:cs typeface="+mn-cs"/>
+                        </a:rPr>
+                        <a:t>3.1. </a:t>
+                      </a:r>
+                      <a:r>
+                        <a:rPr lang="es-VE" sz="3600" b="1" i="1" u="none" strike="noStrike" kern="1200" baseline="0" dirty="0">
+                          <a:solidFill>
+                            <a:schemeClr val="lt1"/>
+                          </a:solidFill>
+                          <a:latin typeface="+mn-lt"/>
+                          <a:ea typeface="+mn-ea"/>
+                          <a:cs typeface="+mn-cs"/>
+                        </a:rPr>
+                        <a:t>Teología exegética</a:t>
+                      </a:r>
+                    </a:p>
+                    <a:p>
+                      <a:pPr lvl="1" rtl="0"/>
+                      <a:r>
+                        <a:rPr lang="es-VE" sz="3600" b="1" i="0" u="none" strike="noStrike" kern="1200" baseline="0" dirty="0">
+                          <a:solidFill>
+                            <a:schemeClr val="lt1"/>
+                          </a:solidFill>
+                          <a:latin typeface="+mn-lt"/>
+                          <a:ea typeface="+mn-ea"/>
+                          <a:cs typeface="+mn-cs"/>
+                        </a:rPr>
+                        <a:t>3.2. </a:t>
+                      </a:r>
+                      <a:r>
+                        <a:rPr lang="es-VE" sz="3600" b="1" i="1" u="none" strike="noStrike" kern="1200" baseline="0" dirty="0">
+                          <a:solidFill>
+                            <a:schemeClr val="lt1"/>
+                          </a:solidFill>
+                          <a:latin typeface="+mn-lt"/>
+                          <a:ea typeface="+mn-ea"/>
+                          <a:cs typeface="+mn-cs"/>
+                        </a:rPr>
+                        <a:t>Teología histórica</a:t>
+                      </a:r>
+                    </a:p>
+                    <a:p>
+                      <a:pPr lvl="1" rtl="0"/>
+                      <a:r>
+                        <a:rPr lang="es-VE" sz="3600" b="1" i="0" u="none" strike="noStrike" kern="1200" baseline="0" dirty="0">
+                          <a:solidFill>
+                            <a:schemeClr val="lt1"/>
+                          </a:solidFill>
+                          <a:latin typeface="+mn-lt"/>
+                          <a:ea typeface="+mn-ea"/>
+                          <a:cs typeface="+mn-cs"/>
+                        </a:rPr>
+                        <a:t>3.3. </a:t>
+                      </a:r>
+                      <a:r>
+                        <a:rPr lang="es-VE" sz="3600" b="1" i="1" u="none" strike="noStrike" kern="1200" baseline="0" dirty="0">
+                          <a:solidFill>
+                            <a:schemeClr val="lt1"/>
+                          </a:solidFill>
+                          <a:latin typeface="+mn-lt"/>
+                          <a:ea typeface="+mn-ea"/>
+                          <a:cs typeface="+mn-cs"/>
+                        </a:rPr>
+                        <a:t>Teología dogmática</a:t>
+                      </a:r>
+                    </a:p>
+                    <a:p>
+                      <a:pPr lvl="1" rtl="0"/>
+                      <a:r>
+                        <a:rPr lang="es-VE" sz="3600" b="1" i="0" u="none" strike="noStrike" kern="1200" baseline="0" dirty="0">
+                          <a:solidFill>
+                            <a:schemeClr val="lt1"/>
+                          </a:solidFill>
+                          <a:latin typeface="+mn-lt"/>
+                          <a:ea typeface="+mn-ea"/>
+                          <a:cs typeface="+mn-cs"/>
+                        </a:rPr>
+                        <a:t>3.4. </a:t>
+                      </a:r>
+                      <a:r>
+                        <a:rPr lang="es-VE" sz="3600" b="1" i="1" u="none" strike="noStrike" kern="1200" baseline="0" dirty="0">
+                          <a:solidFill>
+                            <a:schemeClr val="lt1"/>
+                          </a:solidFill>
+                          <a:latin typeface="+mn-lt"/>
+                          <a:ea typeface="+mn-ea"/>
+                          <a:cs typeface="+mn-cs"/>
+                        </a:rPr>
+                        <a:t>Teología bíblica</a:t>
+                      </a:r>
+                    </a:p>
+                    <a:p>
+                      <a:pPr lvl="1" rtl="0"/>
+                      <a:r>
+                        <a:rPr lang="es-VE" sz="3600" b="1" i="0" u="none" strike="noStrike" kern="1200" baseline="0" dirty="0">
+                          <a:solidFill>
+                            <a:schemeClr val="lt1"/>
+                          </a:solidFill>
+                          <a:latin typeface="+mn-lt"/>
+                          <a:ea typeface="+mn-ea"/>
+                          <a:cs typeface="+mn-cs"/>
+                        </a:rPr>
+                        <a:t>3.5. </a:t>
+                      </a:r>
+                      <a:r>
+                        <a:rPr lang="es-VE" sz="3600" b="1" i="1" u="none" strike="noStrike" kern="1200" baseline="0" dirty="0">
+                          <a:solidFill>
+                            <a:schemeClr val="lt1"/>
+                          </a:solidFill>
+                          <a:latin typeface="+mn-lt"/>
+                          <a:ea typeface="+mn-ea"/>
+                          <a:cs typeface="+mn-cs"/>
+                        </a:rPr>
+                        <a:t>Teología sistemática</a:t>
+                      </a:r>
+                    </a:p>
+                  </a:txBody>
+                  <a:tcPr marL="68580" marR="68580" marT="34290" marB="34290"/>
+                </a:tc>
+                <a:extLst>
+                  <a:ext uri="{0D108BD9-81ED-4DB2-BD59-A6C34878D82A}">
+                    <a16:rowId xmlns:a16="http://schemas.microsoft.com/office/drawing/2014/main" val="744739329"/>
+                  </a:ext>
+                </a:extLst>
+              </a:tr>
+            </a:tbl>
+          </a:graphicData>
+        </a:graphic>
+      </p:graphicFrame>
+      <p:pic>
+        <p:nvPicPr>
+          <p:cNvPr id="5" name="Gráfico 4" descr="Lápiz">
+            <a:extLst>
+              <a:ext uri="{FF2B5EF4-FFF2-40B4-BE49-F238E27FC236}">
+                <a16:creationId xmlns:a16="http://schemas.microsoft.com/office/drawing/2014/main" id="{0A74E1BB-B1CA-413B-8313-F68AA049A917}"/>
+              </a:ext>
+            </a:extLst>
+          </p:cNvPr>
+          <p:cNvPicPr>
+            <a:picLocks noChangeAspect="1"/>
+          </p:cNvPicPr>
+          <p:nvPr/>
+        </p:nvPicPr>
+        <p:blipFill>
+          <a:blip r:embed="rId3">
+            <a:extLst>
+              <a:ext uri="{96DAC541-7B7A-43D3-8B79-37D633B846F1}">
+                <asvg:svgBlip xmlns:asvg="http://schemas.microsoft.com/office/drawing/2016/SVG/main" r:embed="rId4"/>
+              </a:ext>
+            </a:extLst>
+          </a:blip>
+          <a:stretch>
+            <a:fillRect/>
+          </a:stretch>
+        </p:blipFill>
+        <p:spPr>
+          <a:xfrm>
+            <a:off x="8729308" y="565605"/>
+            <a:ext cx="523315" cy="523315"/>
+          </a:xfrm>
+          <a:prstGeom prst="rect">
+            <a:avLst/>
+          </a:prstGeom>
+        </p:spPr>
+      </p:pic>
+    </p:spTree>
+    <p:extLst>
+      <p:ext uri="{BB962C8B-B14F-4D97-AF65-F5344CB8AC3E}">
+        <p14:creationId xmlns:p14="http://schemas.microsoft.com/office/powerpoint/2010/main" val="2144008428"/>
+      </p:ext>
+    </p:extLst>
+  </p:cSld>
+  <p:clrMapOvr>
+    <a:masterClrMapping/>
+  </p:clrMapOvr>
+</p:sld>
+</file>
+
+<file path=ppt/slides/slide9.xml><?xml version="1.0" encoding="utf-8"?>
+<p:sld xmlns:a="http://schemas.openxmlformats.org/drawingml/2006/main" xmlns:r="http://schemas.openxmlformats.org/officeDocument/2006/relationships" xmlns:p="http://schemas.openxmlformats.org/presentationml/2006/main">
+  <p:cSld>
+    <p:spTree>
+      <p:nvGrpSpPr>
+        <p:cNvPr id="1" name=""/>
+        <p:cNvGrpSpPr/>
+        <p:nvPr/>
+      </p:nvGrpSpPr>
+      <p:grpSpPr>
+        <a:xfrm>
+          <a:off x="0" y="0"/>
+          <a:ext cx="0" cy="0"/>
+          <a:chOff x="0" y="0"/>
+          <a:chExt cx="0" cy="0"/>
+        </a:xfrm>
+      </p:grpSpPr>
+      <p:sp>
+        <p:nvSpPr>
+          <p:cNvPr id="2" name="Título 1">
+            <a:extLst>
+              <a:ext uri="{FF2B5EF4-FFF2-40B4-BE49-F238E27FC236}">
+                <a16:creationId xmlns:a16="http://schemas.microsoft.com/office/drawing/2014/main" id="{F2153DD3-C27C-457D-ADDD-066D01CB95CA}"/>
+              </a:ext>
+            </a:extLst>
+          </p:cNvPr>
+          <p:cNvSpPr>
+            <a:spLocks noGrp="1"/>
+          </p:cNvSpPr>
+          <p:nvPr>
+            <p:ph type="title"/>
+          </p:nvPr>
+        </p:nvSpPr>
+        <p:spPr>
+          <a:xfrm>
+            <a:off x="907378" y="249668"/>
+            <a:ext cx="7864512" cy="1095038"/>
+          </a:xfrm>
+        </p:spPr>
+        <p:txBody>
+          <a:bodyPr rtlCol="0">
+            <a:normAutofit/>
+          </a:bodyPr>
+          <a:lstStyle/>
+          <a:p>
+            <a:r>
+              <a:rPr lang="es-VE" sz="3200" dirty="0">
+                <a:latin typeface="Rockwell" panose="02060603020205020403" pitchFamily="18" charset="0"/>
+              </a:rPr>
+              <a:t>3. LA CLASIFICACION DE LA DOCTRINA</a:t>
+            </a:r>
+            <a:br>
+              <a:rPr lang="es-VE" sz="3200" dirty="0">
+                <a:latin typeface="Rockwell" panose="02060603020205020403" pitchFamily="18" charset="0"/>
+              </a:rPr>
+            </a:br>
+            <a:r>
+              <a:rPr lang="es-VE" sz="2800" dirty="0">
+                <a:latin typeface="Rockwell" panose="02060603020205020403" pitchFamily="18" charset="0"/>
+              </a:rPr>
+              <a:t>3.1. Teología exegética</a:t>
+            </a:r>
+            <a:endParaRPr lang="es-ES" sz="3200" dirty="0">
+              <a:latin typeface="Rockwell" panose="02060603020205020403" pitchFamily="18" charset="0"/>
+            </a:endParaRPr>
+          </a:p>
+        </p:txBody>
+      </p:sp>
+      <p:graphicFrame>
+        <p:nvGraphicFramePr>
+          <p:cNvPr id="4" name="Marcador de contenido 3">
+            <a:extLst>
+              <a:ext uri="{FF2B5EF4-FFF2-40B4-BE49-F238E27FC236}">
+                <a16:creationId xmlns:a16="http://schemas.microsoft.com/office/drawing/2014/main" id="{31F44B22-324B-4DE8-B32C-85312184904C}"/>
+              </a:ext>
+            </a:extLst>
+          </p:cNvPr>
+          <p:cNvGraphicFramePr>
+            <a:graphicFrameLocks noGrp="1"/>
+          </p:cNvGraphicFramePr>
+          <p:nvPr>
+            <p:ph idx="1"/>
+            <p:extLst>
+              <p:ext uri="{D42A27DB-BD31-4B8C-83A1-F6EECF244321}">
+                <p14:modId xmlns:p14="http://schemas.microsoft.com/office/powerpoint/2010/main" val="3462922414"/>
+              </p:ext>
+            </p:extLst>
+          </p:nvPr>
+        </p:nvGraphicFramePr>
+        <p:xfrm>
+          <a:off x="907378" y="1344706"/>
+          <a:ext cx="8345244" cy="4011065"/>
+        </p:xfrm>
+        <a:graphic>
+          <a:graphicData uri="http://schemas.openxmlformats.org/drawingml/2006/table">
+            <a:tbl>
+              <a:tblPr firstRow="1" bandRow="1">
+                <a:tableStyleId>{5C22544A-7EE6-4342-B048-85BDC9FD1C3A}</a:tableStyleId>
+              </a:tblPr>
+              <a:tblGrid>
+                <a:gridCol w="8345244">
+                  <a:extLst>
+                    <a:ext uri="{9D8B030D-6E8A-4147-A177-3AD203B41FA5}">
+                      <a16:colId xmlns:a16="http://schemas.microsoft.com/office/drawing/2014/main" val="743422230"/>
+                    </a:ext>
+                  </a:extLst>
+                </a:gridCol>
+              </a:tblGrid>
+              <a:tr h="4011065">
+                <a:tc>
+                  <a:txBody>
+                    <a:bodyPr/>
+                    <a:lstStyle/>
+                    <a:p>
+                      <a:pPr rtl="0"/>
+                      <a:r>
+                        <a:rPr lang="es-VE" sz="2800" b="1" i="0" u="none" strike="noStrike" kern="1200" baseline="0" dirty="0">
+                          <a:solidFill>
+                            <a:schemeClr val="lt1"/>
+                          </a:solidFill>
+                          <a:latin typeface="+mn-lt"/>
+                          <a:ea typeface="+mn-ea"/>
+                          <a:cs typeface="+mn-cs"/>
+                        </a:rPr>
+                        <a:t>Teología exegética </a:t>
+                      </a:r>
+                      <a:r>
+                        <a:rPr lang="es-VE" sz="2800" b="0" i="0" u="none" strike="noStrike" kern="1200" baseline="0" dirty="0">
+                          <a:solidFill>
+                            <a:schemeClr val="lt1"/>
+                          </a:solidFill>
+                          <a:latin typeface="+mn-lt"/>
+                          <a:ea typeface="+mn-ea"/>
+                          <a:cs typeface="+mn-cs"/>
+                        </a:rPr>
+                        <a:t>procura establecer el significado verdadero de las Escrituras.</a:t>
+                      </a:r>
+                    </a:p>
+                    <a:p>
+                      <a:pPr rtl="0"/>
+                      <a:endParaRPr lang="es-VE" sz="2800" b="0" i="0" u="none" strike="noStrike" kern="1200" baseline="0" dirty="0">
+                        <a:solidFill>
+                          <a:schemeClr val="lt1"/>
+                        </a:solidFill>
+                        <a:latin typeface="+mn-lt"/>
+                        <a:ea typeface="+mn-ea"/>
+                        <a:cs typeface="+mn-cs"/>
+                      </a:endParaRPr>
+                    </a:p>
+                    <a:p>
+                      <a:pPr rtl="0"/>
+                      <a:r>
+                        <a:rPr lang="es-VE" sz="2800" b="0" i="0" u="none" strike="noStrike" kern="1200" baseline="0" dirty="0">
+                          <a:solidFill>
+                            <a:schemeClr val="lt1"/>
+                          </a:solidFill>
+                          <a:latin typeface="+mn-lt"/>
+                          <a:ea typeface="+mn-ea"/>
+                          <a:cs typeface="+mn-cs"/>
+                        </a:rPr>
+                        <a:t>Exégesis o exegesis es una </a:t>
+                      </a:r>
+                      <a:r>
+                        <a:rPr lang="es-VE" sz="2800" b="0" i="0" u="none" strike="noStrike" kern="1200" baseline="0" dirty="0">
+                          <a:solidFill>
+                            <a:schemeClr val="lt1"/>
+                          </a:solidFill>
+                          <a:highlight>
+                            <a:srgbClr val="800080"/>
+                          </a:highlight>
+                          <a:latin typeface="+mn-lt"/>
+                          <a:ea typeface="+mn-ea"/>
+                          <a:cs typeface="+mn-cs"/>
+                        </a:rPr>
+                        <a:t>explicación o interpretación de un texto</a:t>
+                      </a:r>
+                      <a:r>
+                        <a:rPr lang="es-VE" sz="2800" b="0" i="0" u="none" strike="noStrike" kern="1200" baseline="0" dirty="0">
+                          <a:solidFill>
+                            <a:schemeClr val="lt1"/>
+                          </a:solidFill>
+                          <a:latin typeface="+mn-lt"/>
+                          <a:ea typeface="+mn-ea"/>
+                          <a:cs typeface="+mn-cs"/>
+                        </a:rPr>
+                        <a:t>, en especial de la Biblia.</a:t>
+                      </a:r>
+                    </a:p>
+                    <a:p>
+                      <a:pPr rtl="0"/>
+                      <a:endParaRPr lang="es-VE" sz="2800" b="0" i="0" u="none" strike="noStrike" kern="1200" baseline="0" dirty="0">
+                        <a:solidFill>
+                          <a:schemeClr val="lt1"/>
+                        </a:solidFill>
+                        <a:latin typeface="+mn-lt"/>
+                        <a:ea typeface="+mn-ea"/>
+                        <a:cs typeface="+mn-cs"/>
+                      </a:endParaRPr>
+                    </a:p>
+                    <a:p>
+                      <a:pPr rtl="0"/>
+                      <a:r>
+                        <a:rPr lang="es-VE" sz="2800" b="0" i="0" u="none" strike="noStrike" kern="1200" baseline="0" dirty="0">
+                          <a:solidFill>
+                            <a:schemeClr val="lt1"/>
+                          </a:solidFill>
+                          <a:latin typeface="+mn-lt"/>
+                          <a:ea typeface="+mn-ea"/>
+                          <a:cs typeface="+mn-cs"/>
+                        </a:rPr>
+                        <a:t>Este ramo de la teología requiere conocimientos de los </a:t>
+                      </a:r>
+                      <a:r>
+                        <a:rPr lang="es-VE" sz="2800" b="0" i="0" u="none" strike="noStrike" kern="1200" baseline="0" dirty="0">
+                          <a:solidFill>
+                            <a:schemeClr val="lt1"/>
+                          </a:solidFill>
+                          <a:highlight>
+                            <a:srgbClr val="808000"/>
+                          </a:highlight>
+                          <a:latin typeface="+mn-lt"/>
+                          <a:ea typeface="+mn-ea"/>
+                          <a:cs typeface="+mn-cs"/>
+                        </a:rPr>
+                        <a:t>idiomas originales</a:t>
+                      </a:r>
+                      <a:r>
+                        <a:rPr lang="es-VE" sz="2800" b="0" i="0" u="none" strike="noStrike" kern="1200" baseline="0" dirty="0">
+                          <a:solidFill>
+                            <a:schemeClr val="lt1"/>
+                          </a:solidFill>
+                          <a:latin typeface="+mn-lt"/>
+                          <a:ea typeface="+mn-ea"/>
+                          <a:cs typeface="+mn-cs"/>
+                        </a:rPr>
+                        <a:t> en los cuales fueron escritas las </a:t>
+                      </a:r>
+                      <a:r>
+                        <a:rPr lang="es-VE" sz="2800" b="1" i="0" u="none" strike="noStrike" kern="1200" baseline="0" dirty="0">
+                          <a:solidFill>
+                            <a:schemeClr val="lt1"/>
+                          </a:solidFill>
+                          <a:latin typeface="+mn-lt"/>
+                          <a:ea typeface="+mn-ea"/>
+                          <a:cs typeface="+mn-cs"/>
+                        </a:rPr>
+                        <a:t>Sagradas Escrituras</a:t>
+                      </a:r>
+                      <a:r>
+                        <a:rPr lang="es-VE" sz="2800" b="0" i="0" u="none" strike="noStrike" kern="1200" baseline="0" dirty="0">
+                          <a:solidFill>
+                            <a:schemeClr val="lt1"/>
+                          </a:solidFill>
+                          <a:latin typeface="+mn-lt"/>
+                          <a:ea typeface="+mn-ea"/>
+                          <a:cs typeface="+mn-cs"/>
+                        </a:rPr>
+                        <a:t>.</a:t>
+                      </a:r>
+                    </a:p>
+                  </a:txBody>
+                  <a:tcPr marL="68580" marR="68580" marT="34290" marB="34290"/>
+                </a:tc>
+                <a:extLst>
+                  <a:ext uri="{0D108BD9-81ED-4DB2-BD59-A6C34878D82A}">
+                    <a16:rowId xmlns:a16="http://schemas.microsoft.com/office/drawing/2014/main" val="744739329"/>
+                  </a:ext>
+                </a:extLst>
+              </a:tr>
+            </a:tbl>
+          </a:graphicData>
+        </a:graphic>
+      </p:graphicFrame>
+      <p:pic>
+        <p:nvPicPr>
+          <p:cNvPr id="5" name="Gráfico 4" descr="Lápiz">
+            <a:extLst>
+              <a:ext uri="{FF2B5EF4-FFF2-40B4-BE49-F238E27FC236}">
+                <a16:creationId xmlns:a16="http://schemas.microsoft.com/office/drawing/2014/main" id="{0A74E1BB-B1CA-413B-8313-F68AA049A917}"/>
+              </a:ext>
+            </a:extLst>
+          </p:cNvPr>
+          <p:cNvPicPr>
+            <a:picLocks noChangeAspect="1"/>
+          </p:cNvPicPr>
+          <p:nvPr/>
+        </p:nvPicPr>
+        <p:blipFill>
+          <a:blip r:embed="rId3">
+            <a:extLst>
+              <a:ext uri="{96DAC541-7B7A-43D3-8B79-37D633B846F1}">
+                <asvg:svgBlip xmlns:asvg="http://schemas.microsoft.com/office/drawing/2016/SVG/main" r:embed="rId4"/>
+              </a:ext>
+            </a:extLst>
+          </a:blip>
+          <a:stretch>
+            <a:fillRect/>
+          </a:stretch>
+        </p:blipFill>
+        <p:spPr>
+          <a:xfrm>
+            <a:off x="8729308" y="565605"/>
+            <a:ext cx="523315" cy="523315"/>
+          </a:xfrm>
+          <a:prstGeom prst="rect">
+            <a:avLst/>
+          </a:prstGeom>
+        </p:spPr>
+      </p:pic>
+    </p:spTree>
+    <p:extLst>
+      <p:ext uri="{BB962C8B-B14F-4D97-AF65-F5344CB8AC3E}">
+        <p14:creationId xmlns:p14="http://schemas.microsoft.com/office/powerpoint/2010/main" val="3461494345"/>
       </p:ext>
     </p:extLst>
   </p:cSld>
